--- a/Presentation Social-Buzz Top Categories.pptx
+++ b/Presentation Social-Buzz Top Categories.pptx
@@ -132,7 +132,7 @@
   </p:defaultTextStyle>
   <p:extLst>
     <p:ext uri="{EFAFB233-063F-42B5-8137-9DF3F51BA10A}">
-      <p15:sldGuideLst xmlns="" xmlns:p15="http://schemas.microsoft.com/office/powerpoint/2012/main">
+      <p15:sldGuideLst xmlns:p15="http://schemas.microsoft.com/office/powerpoint/2012/main" xmlns="">
         <p15:guide id="1" orient="horz" pos="2160">
           <p15:clr>
             <a:srgbClr val="A4A3A4"/>
@@ -360,11 +360,11 @@
           <c:showBubbleSize val="0"/>
         </c:dLbls>
         <c:gapWidth val="150"/>
-        <c:axId val="133257088"/>
-        <c:axId val="133258624"/>
+        <c:axId val="132497792"/>
+        <c:axId val="132499328"/>
       </c:barChart>
       <c:catAx>
-        <c:axId val="133257088"/>
+        <c:axId val="132497792"/>
         <c:scaling>
           <c:orientation val="minMax"/>
         </c:scaling>
@@ -373,7 +373,7 @@
         <c:majorTickMark val="out"/>
         <c:minorTickMark val="none"/>
         <c:tickLblPos val="nextTo"/>
-        <c:crossAx val="133258624"/>
+        <c:crossAx val="132499328"/>
         <c:crosses val="autoZero"/>
         <c:auto val="1"/>
         <c:lblAlgn val="ctr"/>
@@ -381,7 +381,7 @@
         <c:noMultiLvlLbl val="0"/>
       </c:catAx>
       <c:valAx>
-        <c:axId val="133258624"/>
+        <c:axId val="132499328"/>
         <c:scaling>
           <c:orientation val="minMax"/>
         </c:scaling>
@@ -392,7 +392,7 @@
         <c:majorTickMark val="out"/>
         <c:minorTickMark val="none"/>
         <c:tickLblPos val="nextTo"/>
-        <c:crossAx val="133257088"/>
+        <c:crossAx val="132497792"/>
         <c:crosses val="autoZero"/>
         <c:crossBetween val="between"/>
       </c:valAx>
@@ -756,11 +756,11 @@
         </c:dLbls>
         <c:gapWidth val="150"/>
         <c:overlap val="100"/>
-        <c:axId val="133310720"/>
-        <c:axId val="133320704"/>
+        <c:axId val="133186304"/>
+        <c:axId val="133187840"/>
       </c:barChart>
       <c:catAx>
-        <c:axId val="133310720"/>
+        <c:axId val="133186304"/>
         <c:scaling>
           <c:orientation val="minMax"/>
         </c:scaling>
@@ -769,7 +769,7 @@
         <c:majorTickMark val="out"/>
         <c:minorTickMark val="none"/>
         <c:tickLblPos val="nextTo"/>
-        <c:crossAx val="133320704"/>
+        <c:crossAx val="133187840"/>
         <c:crosses val="autoZero"/>
         <c:auto val="1"/>
         <c:lblAlgn val="ctr"/>
@@ -777,7 +777,7 @@
         <c:noMultiLvlLbl val="0"/>
       </c:catAx>
       <c:valAx>
-        <c:axId val="133320704"/>
+        <c:axId val="133187840"/>
         <c:scaling>
           <c:orientation val="minMax"/>
         </c:scaling>
@@ -788,7 +788,7 @@
         <c:majorTickMark val="out"/>
         <c:minorTickMark val="none"/>
         <c:tickLblPos val="nextTo"/>
-        <c:crossAx val="133310720"/>
+        <c:crossAx val="133186304"/>
         <c:crosses val="autoZero"/>
         <c:crossBetween val="between"/>
       </c:valAx>
@@ -1640,9 +1640,19 @@
     </c:floor>
     <c:sideWall>
       <c:thickness val="0"/>
+      <c:spPr>
+        <a:solidFill>
+          <a:srgbClr val="E6B9FF"/>
+        </a:solidFill>
+      </c:spPr>
     </c:sideWall>
     <c:backWall>
       <c:thickness val="0"/>
+      <c:spPr>
+        <a:solidFill>
+          <a:srgbClr val="E6B9FF"/>
+        </a:solidFill>
+      </c:spPr>
     </c:backWall>
     <c:plotArea>
       <c:layout/>
@@ -1665,6 +1675,174 @@
             </c:strRef>
           </c:tx>
           <c:invertIfNegative val="0"/>
+          <c:dPt>
+            <c:idx val="0"/>
+            <c:invertIfNegative val="0"/>
+            <c:bubble3D val="0"/>
+            <c:spPr>
+              <a:solidFill>
+                <a:srgbClr val="F79646"/>
+              </a:solidFill>
+            </c:spPr>
+          </c:dPt>
+          <c:dPt>
+            <c:idx val="1"/>
+            <c:invertIfNegative val="0"/>
+            <c:bubble3D val="0"/>
+            <c:spPr>
+              <a:solidFill>
+                <a:srgbClr val="00B050"/>
+              </a:solidFill>
+            </c:spPr>
+          </c:dPt>
+          <c:dPt>
+            <c:idx val="2"/>
+            <c:invertIfNegative val="0"/>
+            <c:bubble3D val="0"/>
+            <c:spPr>
+              <a:solidFill>
+                <a:srgbClr val="FFC000"/>
+              </a:solidFill>
+            </c:spPr>
+          </c:dPt>
+          <c:dPt>
+            <c:idx val="3"/>
+            <c:invertIfNegative val="0"/>
+            <c:bubble3D val="0"/>
+            <c:spPr>
+              <a:solidFill>
+                <a:srgbClr val="4BACC6">
+                  <a:lumMod val="60000"/>
+                  <a:lumOff val="40000"/>
+                </a:srgbClr>
+              </a:solidFill>
+            </c:spPr>
+          </c:dPt>
+          <c:dPt>
+            <c:idx val="4"/>
+            <c:invertIfNegative val="0"/>
+            <c:bubble3D val="0"/>
+            <c:spPr>
+              <a:solidFill>
+                <a:srgbClr val="C0504D"/>
+              </a:solidFill>
+            </c:spPr>
+          </c:dPt>
+          <c:dPt>
+            <c:idx val="5"/>
+            <c:invertIfNegative val="0"/>
+            <c:bubble3D val="0"/>
+            <c:spPr>
+              <a:solidFill>
+                <a:srgbClr val="4BACC6">
+                  <a:lumMod val="40000"/>
+                  <a:lumOff val="60000"/>
+                </a:srgbClr>
+              </a:solidFill>
+            </c:spPr>
+          </c:dPt>
+          <c:dPt>
+            <c:idx val="6"/>
+            <c:invertIfNegative val="0"/>
+            <c:bubble3D val="0"/>
+            <c:spPr>
+              <a:solidFill>
+                <a:srgbClr val="4BACC6">
+                  <a:lumMod val="40000"/>
+                  <a:lumOff val="60000"/>
+                </a:srgbClr>
+              </a:solidFill>
+            </c:spPr>
+          </c:dPt>
+          <c:dPt>
+            <c:idx val="7"/>
+            <c:invertIfNegative val="0"/>
+            <c:bubble3D val="0"/>
+            <c:spPr>
+              <a:solidFill>
+                <a:srgbClr val="FF0000"/>
+              </a:solidFill>
+            </c:spPr>
+          </c:dPt>
+          <c:dPt>
+            <c:idx val="8"/>
+            <c:invertIfNegative val="0"/>
+            <c:bubble3D val="0"/>
+            <c:spPr>
+              <a:solidFill>
+                <a:srgbClr val="FFFF99"/>
+              </a:solidFill>
+            </c:spPr>
+          </c:dPt>
+          <c:dPt>
+            <c:idx val="9"/>
+            <c:invertIfNegative val="0"/>
+            <c:bubble3D val="0"/>
+            <c:spPr>
+              <a:solidFill>
+                <a:srgbClr val="92D050"/>
+              </a:solidFill>
+            </c:spPr>
+          </c:dPt>
+          <c:dPt>
+            <c:idx val="10"/>
+            <c:invertIfNegative val="0"/>
+            <c:bubble3D val="0"/>
+            <c:spPr>
+              <a:solidFill>
+                <a:srgbClr val="F79646">
+                  <a:lumMod val="40000"/>
+                  <a:lumOff val="60000"/>
+                </a:srgbClr>
+              </a:solidFill>
+            </c:spPr>
+          </c:dPt>
+          <c:dPt>
+            <c:idx val="11"/>
+            <c:invertIfNegative val="0"/>
+            <c:bubble3D val="0"/>
+            <c:spPr>
+              <a:solidFill>
+                <a:srgbClr val="4BACC6">
+                  <a:lumMod val="40000"/>
+                  <a:lumOff val="60000"/>
+                </a:srgbClr>
+              </a:solidFill>
+            </c:spPr>
+          </c:dPt>
+          <c:dPt>
+            <c:idx val="12"/>
+            <c:invertIfNegative val="0"/>
+            <c:bubble3D val="0"/>
+            <c:spPr>
+              <a:solidFill>
+                <a:srgbClr val="4BACC6">
+                  <a:lumMod val="40000"/>
+                  <a:lumOff val="60000"/>
+                </a:srgbClr>
+              </a:solidFill>
+            </c:spPr>
+          </c:dPt>
+          <c:dPt>
+            <c:idx val="13"/>
+            <c:invertIfNegative val="0"/>
+            <c:bubble3D val="0"/>
+            <c:spPr>
+              <a:solidFill>
+                <a:srgbClr val="00B0F0"/>
+              </a:solidFill>
+            </c:spPr>
+          </c:dPt>
+          <c:dPt>
+            <c:idx val="14"/>
+            <c:invertIfNegative val="0"/>
+            <c:bubble3D val="0"/>
+            <c:spPr>
+              <a:solidFill>
+                <a:srgbClr val="0070C0"/>
+              </a:solidFill>
+            </c:spPr>
+          </c:dPt>
           <c:cat>
             <c:strRef>
               <c:f>Sheet12!$A$4:$A$19</c:f>
@@ -1783,12 +1961,12 @@
         </c:dLbls>
         <c:gapWidth val="150"/>
         <c:shape val="box"/>
-        <c:axId val="174215936"/>
-        <c:axId val="174217472"/>
+        <c:axId val="145418112"/>
+        <c:axId val="145419648"/>
         <c:axId val="0"/>
       </c:bar3DChart>
       <c:catAx>
-        <c:axId val="174215936"/>
+        <c:axId val="145418112"/>
         <c:scaling>
           <c:orientation val="minMax"/>
         </c:scaling>
@@ -1807,7 +1985,7 @@
             <a:endParaRPr lang="en-US"/>
           </a:p>
         </c:txPr>
-        <c:crossAx val="174217472"/>
+        <c:crossAx val="145419648"/>
         <c:crosses val="autoZero"/>
         <c:auto val="1"/>
         <c:lblAlgn val="ctr"/>
@@ -1815,7 +1993,7 @@
         <c:noMultiLvlLbl val="0"/>
       </c:catAx>
       <c:valAx>
-        <c:axId val="174217472"/>
+        <c:axId val="145419648"/>
         <c:scaling>
           <c:orientation val="minMax"/>
         </c:scaling>
@@ -1826,7 +2004,7 @@
         <c:majorTickMark val="out"/>
         <c:minorTickMark val="none"/>
         <c:tickLblPos val="nextTo"/>
-        <c:crossAx val="174215936"/>
+        <c:crossAx val="145418112"/>
         <c:crosses val="autoZero"/>
         <c:crossBetween val="between"/>
       </c:valAx>
@@ -1933,7 +2111,7 @@
           <a:p>
             <a:fld id="{B7268E1E-0E44-426D-905E-8AD9B19D2182}" type="datetimeFigureOut">
               <a:rPr lang="cs-CZ" smtClean="0"/>
-              <a:t>14.03.2024</a:t>
+              <a:t>26.06.2024</a:t>
             </a:fld>
             <a:endParaRPr lang="cs-CZ"/>
           </a:p>
@@ -2278,7 +2456,7 @@
           <a:p>
             <a:fld id="{B7268E1E-0E44-426D-905E-8AD9B19D2182}" type="datetimeFigureOut">
               <a:rPr lang="cs-CZ" smtClean="0"/>
-              <a:t>14.03.2024</a:t>
+              <a:t>26.06.2024</a:t>
             </a:fld>
             <a:endParaRPr lang="cs-CZ"/>
           </a:p>
@@ -2496,7 +2674,7 @@
           <a:p>
             <a:fld id="{B7268E1E-0E44-426D-905E-8AD9B19D2182}" type="datetimeFigureOut">
               <a:rPr lang="cs-CZ" smtClean="0"/>
-              <a:t>14.03.2024</a:t>
+              <a:t>26.06.2024</a:t>
             </a:fld>
             <a:endParaRPr lang="cs-CZ"/>
           </a:p>
@@ -2714,7 +2892,7 @@
           <a:p>
             <a:fld id="{B7268E1E-0E44-426D-905E-8AD9B19D2182}" type="datetimeFigureOut">
               <a:rPr lang="cs-CZ" smtClean="0"/>
-              <a:t>14.03.2024</a:t>
+              <a:t>26.06.2024</a:t>
             </a:fld>
             <a:endParaRPr lang="cs-CZ"/>
           </a:p>
@@ -2932,7 +3110,7 @@
           <a:p>
             <a:fld id="{B7268E1E-0E44-426D-905E-8AD9B19D2182}" type="datetimeFigureOut">
               <a:rPr lang="cs-CZ" smtClean="0"/>
-              <a:t>14.03.2024</a:t>
+              <a:t>26.06.2024</a:t>
             </a:fld>
             <a:endParaRPr lang="cs-CZ"/>
           </a:p>
@@ -3150,7 +3328,7 @@
           <a:p>
             <a:fld id="{B7268E1E-0E44-426D-905E-8AD9B19D2182}" type="datetimeFigureOut">
               <a:rPr lang="cs-CZ" smtClean="0"/>
-              <a:t>14.03.2024</a:t>
+              <a:t>26.06.2024</a:t>
             </a:fld>
             <a:endParaRPr lang="cs-CZ"/>
           </a:p>
@@ -3368,7 +3546,7 @@
           <a:p>
             <a:fld id="{B7268E1E-0E44-426D-905E-8AD9B19D2182}" type="datetimeFigureOut">
               <a:rPr lang="cs-CZ" smtClean="0"/>
-              <a:t>14.03.2024</a:t>
+              <a:t>26.06.2024</a:t>
             </a:fld>
             <a:endParaRPr lang="cs-CZ"/>
           </a:p>
@@ -3586,7 +3764,7 @@
           <a:p>
             <a:fld id="{B7268E1E-0E44-426D-905E-8AD9B19D2182}" type="datetimeFigureOut">
               <a:rPr lang="cs-CZ" smtClean="0"/>
-              <a:t>14.03.2024</a:t>
+              <a:t>26.06.2024</a:t>
             </a:fld>
             <a:endParaRPr lang="cs-CZ"/>
           </a:p>
@@ -3804,7 +3982,7 @@
           <a:p>
             <a:fld id="{B7268E1E-0E44-426D-905E-8AD9B19D2182}" type="datetimeFigureOut">
               <a:rPr lang="cs-CZ" smtClean="0"/>
-              <a:t>14.03.2024</a:t>
+              <a:t>26.06.2024</a:t>
             </a:fld>
             <a:endParaRPr lang="cs-CZ"/>
           </a:p>
@@ -4022,7 +4200,7 @@
           <a:p>
             <a:fld id="{B7268E1E-0E44-426D-905E-8AD9B19D2182}" type="datetimeFigureOut">
               <a:rPr lang="cs-CZ" smtClean="0"/>
-              <a:t>14.03.2024</a:t>
+              <a:t>26.06.2024</a:t>
             </a:fld>
             <a:endParaRPr lang="cs-CZ"/>
           </a:p>
@@ -4240,7 +4418,7 @@
           <a:p>
             <a:fld id="{B7268E1E-0E44-426D-905E-8AD9B19D2182}" type="datetimeFigureOut">
               <a:rPr lang="cs-CZ" smtClean="0"/>
-              <a:t>14.03.2024</a:t>
+              <a:t>26.06.2024</a:t>
             </a:fld>
             <a:endParaRPr lang="cs-CZ"/>
           </a:p>
@@ -4458,7 +4636,7 @@
           <a:p>
             <a:fld id="{B7268E1E-0E44-426D-905E-8AD9B19D2182}" type="datetimeFigureOut">
               <a:rPr lang="cs-CZ" smtClean="0"/>
-              <a:t>14.03.2024</a:t>
+              <a:t>26.06.2024</a:t>
             </a:fld>
             <a:endParaRPr lang="cs-CZ"/>
           </a:p>
@@ -4784,7 +4962,7 @@
             <a:fld id="{1D8BD707-D9CF-40AE-B4C6-C98DA3205C09}" type="datetimeFigureOut">
               <a:rPr lang="en-US" smtClean="0"/>
               <a:pPr/>
-              <a:t>3/14/2024</a:t>
+              <a:t>6/26/2024</a:t>
             </a:fld>
             <a:endParaRPr lang="en-US"/>
           </a:p>
@@ -4949,7 +5127,7 @@
             <a:fld id="{1D8BD707-D9CF-40AE-B4C6-C98DA3205C09}" type="datetimeFigureOut">
               <a:rPr lang="en-US" smtClean="0"/>
               <a:pPr/>
-              <a:t>3/14/2024</a:t>
+              <a:t>6/26/2024</a:t>
             </a:fld>
             <a:endParaRPr lang="en-US"/>
           </a:p>
@@ -5124,7 +5302,7 @@
             <a:fld id="{1D8BD707-D9CF-40AE-B4C6-C98DA3205C09}" type="datetimeFigureOut">
               <a:rPr lang="en-US" smtClean="0"/>
               <a:pPr/>
-              <a:t>3/14/2024</a:t>
+              <a:t>6/26/2024</a:t>
             </a:fld>
             <a:endParaRPr lang="en-US"/>
           </a:p>
@@ -5289,7 +5467,7 @@
             <a:fld id="{1D8BD707-D9CF-40AE-B4C6-C98DA3205C09}" type="datetimeFigureOut">
               <a:rPr lang="en-US" smtClean="0"/>
               <a:pPr/>
-              <a:t>3/14/2024</a:t>
+              <a:t>6/26/2024</a:t>
             </a:fld>
             <a:endParaRPr lang="en-US"/>
           </a:p>
@@ -5531,7 +5709,7 @@
             <a:fld id="{1D8BD707-D9CF-40AE-B4C6-C98DA3205C09}" type="datetimeFigureOut">
               <a:rPr lang="en-US" smtClean="0"/>
               <a:pPr/>
-              <a:t>3/14/2024</a:t>
+              <a:t>6/26/2024</a:t>
             </a:fld>
             <a:endParaRPr lang="en-US"/>
           </a:p>
@@ -5813,7 +5991,7 @@
             <a:fld id="{1D8BD707-D9CF-40AE-B4C6-C98DA3205C09}" type="datetimeFigureOut">
               <a:rPr lang="en-US" smtClean="0"/>
               <a:pPr/>
-              <a:t>3/14/2024</a:t>
+              <a:t>6/26/2024</a:t>
             </a:fld>
             <a:endParaRPr lang="en-US"/>
           </a:p>
@@ -6229,7 +6407,7 @@
             <a:fld id="{1D8BD707-D9CF-40AE-B4C6-C98DA3205C09}" type="datetimeFigureOut">
               <a:rPr lang="en-US" smtClean="0"/>
               <a:pPr/>
-              <a:t>3/14/2024</a:t>
+              <a:t>6/26/2024</a:t>
             </a:fld>
             <a:endParaRPr lang="en-US"/>
           </a:p>
@@ -6343,7 +6521,7 @@
             <a:fld id="{1D8BD707-D9CF-40AE-B4C6-C98DA3205C09}" type="datetimeFigureOut">
               <a:rPr lang="en-US" smtClean="0"/>
               <a:pPr/>
-              <a:t>3/14/2024</a:t>
+              <a:t>6/26/2024</a:t>
             </a:fld>
             <a:endParaRPr lang="en-US"/>
           </a:p>
@@ -6435,7 +6613,7 @@
             <a:fld id="{1D8BD707-D9CF-40AE-B4C6-C98DA3205C09}" type="datetimeFigureOut">
               <a:rPr lang="en-US" smtClean="0"/>
               <a:pPr/>
-              <a:t>3/14/2024</a:t>
+              <a:t>6/26/2024</a:t>
             </a:fld>
             <a:endParaRPr lang="en-US"/>
           </a:p>
@@ -6707,7 +6885,7 @@
             <a:fld id="{1D8BD707-D9CF-40AE-B4C6-C98DA3205C09}" type="datetimeFigureOut">
               <a:rPr lang="en-US" smtClean="0"/>
               <a:pPr/>
-              <a:t>3/14/2024</a:t>
+              <a:t>6/26/2024</a:t>
             </a:fld>
             <a:endParaRPr lang="en-US"/>
           </a:p>
@@ -6956,7 +7134,7 @@
             <a:fld id="{1D8BD707-D9CF-40AE-B4C6-C98DA3205C09}" type="datetimeFigureOut">
               <a:rPr lang="en-US" smtClean="0"/>
               <a:pPr/>
-              <a:t>3/14/2024</a:t>
+              <a:t>6/26/2024</a:t>
             </a:fld>
             <a:endParaRPr lang="en-US"/>
           </a:p>
@@ -7164,7 +7342,7 @@
             <a:fld id="{1D8BD707-D9CF-40AE-B4C6-C98DA3205C09}" type="datetimeFigureOut">
               <a:rPr lang="en-US" smtClean="0"/>
               <a:pPr/>
-              <a:t>3/14/2024</a:t>
+              <a:t>6/26/2024</a:t>
             </a:fld>
             <a:endParaRPr lang="en-US"/>
           </a:p>
@@ -7592,7 +7770,7 @@
                   <a14:useLocalDpi xmlns:a14="http://schemas.microsoft.com/office/drawing/2010/main" val="0"/>
                 </a:ext>
                 <a:ext uri="{96DAC541-7B7A-43D3-8B79-37D633B846F1}">
-                  <asvg:svgBlip xmlns="" xmlns:asvg="http://schemas.microsoft.com/office/drawing/2016/SVG/main" r:embed="rId4"/>
+                  <asvg:svgBlip xmlns:asvg="http://schemas.microsoft.com/office/drawing/2016/SVG/main" xmlns="" r:embed="rId4"/>
                 </a:ext>
               </a:extLst>
             </a:blip>
@@ -7627,7 +7805,7 @@
                   <a14:useLocalDpi xmlns:a14="http://schemas.microsoft.com/office/drawing/2010/main" val="0"/>
                 </a:ext>
                 <a:ext uri="{96DAC541-7B7A-43D3-8B79-37D633B846F1}">
-                  <asvg:svgBlip xmlns="" xmlns:asvg="http://schemas.microsoft.com/office/drawing/2016/SVG/main" r:embed="rId4"/>
+                  <asvg:svgBlip xmlns:asvg="http://schemas.microsoft.com/office/drawing/2016/SVG/main" xmlns="" r:embed="rId4"/>
                 </a:ext>
               </a:extLst>
             </a:blip>
@@ -7662,7 +7840,7 @@
                   <a14:useLocalDpi xmlns:a14="http://schemas.microsoft.com/office/drawing/2010/main" val="0"/>
                 </a:ext>
                 <a:ext uri="{96DAC541-7B7A-43D3-8B79-37D633B846F1}">
-                  <asvg:svgBlip xmlns="" xmlns:asvg="http://schemas.microsoft.com/office/drawing/2016/SVG/main" r:embed="rId4"/>
+                  <asvg:svgBlip xmlns:asvg="http://schemas.microsoft.com/office/drawing/2016/SVG/main" xmlns="" r:embed="rId4"/>
                 </a:ext>
               </a:extLst>
             </a:blip>
@@ -7697,7 +7875,7 @@
                   <a14:useLocalDpi xmlns:a14="http://schemas.microsoft.com/office/drawing/2010/main" val="0"/>
                 </a:ext>
                 <a:ext uri="{96DAC541-7B7A-43D3-8B79-37D633B846F1}">
-                  <asvg:svgBlip xmlns="" xmlns:asvg="http://schemas.microsoft.com/office/drawing/2016/SVG/main" r:embed="rId4"/>
+                  <asvg:svgBlip xmlns:asvg="http://schemas.microsoft.com/office/drawing/2016/SVG/main" xmlns="" r:embed="rId4"/>
                 </a:ext>
               </a:extLst>
             </a:blip>
@@ -7732,7 +7910,7 @@
                   <a14:useLocalDpi xmlns:a14="http://schemas.microsoft.com/office/drawing/2010/main" val="0"/>
                 </a:ext>
                 <a:ext uri="{96DAC541-7B7A-43D3-8B79-37D633B846F1}">
-                  <asvg:svgBlip xmlns="" xmlns:asvg="http://schemas.microsoft.com/office/drawing/2016/SVG/main" r:embed="rId4"/>
+                  <asvg:svgBlip xmlns:asvg="http://schemas.microsoft.com/office/drawing/2016/SVG/main" xmlns="" r:embed="rId4"/>
                 </a:ext>
               </a:extLst>
             </a:blip>
@@ -7767,7 +7945,7 @@
                   <a14:useLocalDpi xmlns:a14="http://schemas.microsoft.com/office/drawing/2010/main" val="0"/>
                 </a:ext>
                 <a:ext uri="{96DAC541-7B7A-43D3-8B79-37D633B846F1}">
-                  <asvg:svgBlip xmlns="" xmlns:asvg="http://schemas.microsoft.com/office/drawing/2016/SVG/main" r:embed="rId4"/>
+                  <asvg:svgBlip xmlns:asvg="http://schemas.microsoft.com/office/drawing/2016/SVG/main" xmlns="" r:embed="rId4"/>
                 </a:ext>
               </a:extLst>
             </a:blip>
@@ -7802,7 +7980,7 @@
                   <a14:useLocalDpi xmlns:a14="http://schemas.microsoft.com/office/drawing/2010/main" val="0"/>
                 </a:ext>
                 <a:ext uri="{96DAC541-7B7A-43D3-8B79-37D633B846F1}">
-                  <asvg:svgBlip xmlns="" xmlns:asvg="http://schemas.microsoft.com/office/drawing/2016/SVG/main" r:embed="rId4"/>
+                  <asvg:svgBlip xmlns:asvg="http://schemas.microsoft.com/office/drawing/2016/SVG/main" xmlns="" r:embed="rId4"/>
                 </a:ext>
               </a:extLst>
             </a:blip>
@@ -7837,7 +8015,7 @@
                   <a14:useLocalDpi xmlns:a14="http://schemas.microsoft.com/office/drawing/2010/main" val="0"/>
                 </a:ext>
                 <a:ext uri="{96DAC541-7B7A-43D3-8B79-37D633B846F1}">
-                  <asvg:svgBlip xmlns="" xmlns:asvg="http://schemas.microsoft.com/office/drawing/2016/SVG/main" r:embed="rId4"/>
+                  <asvg:svgBlip xmlns:asvg="http://schemas.microsoft.com/office/drawing/2016/SVG/main" xmlns="" r:embed="rId4"/>
                 </a:ext>
               </a:extLst>
             </a:blip>
@@ -7872,7 +8050,7 @@
                   <a14:useLocalDpi xmlns:a14="http://schemas.microsoft.com/office/drawing/2010/main" val="0"/>
                 </a:ext>
                 <a:ext uri="{96DAC541-7B7A-43D3-8B79-37D633B846F1}">
-                  <asvg:svgBlip xmlns="" xmlns:asvg="http://schemas.microsoft.com/office/drawing/2016/SVG/main" r:embed="rId4"/>
+                  <asvg:svgBlip xmlns:asvg="http://schemas.microsoft.com/office/drawing/2016/SVG/main" xmlns="" r:embed="rId4"/>
                 </a:ext>
               </a:extLst>
             </a:blip>
@@ -7907,7 +8085,7 @@
                   <a14:useLocalDpi xmlns:a14="http://schemas.microsoft.com/office/drawing/2010/main" val="0"/>
                 </a:ext>
                 <a:ext uri="{96DAC541-7B7A-43D3-8B79-37D633B846F1}">
-                  <asvg:svgBlip xmlns="" xmlns:asvg="http://schemas.microsoft.com/office/drawing/2016/SVG/main" r:embed="rId4"/>
+                  <asvg:svgBlip xmlns:asvg="http://schemas.microsoft.com/office/drawing/2016/SVG/main" xmlns="" r:embed="rId4"/>
                 </a:ext>
               </a:extLst>
             </a:blip>
@@ -7942,7 +8120,7 @@
                   <a14:useLocalDpi xmlns:a14="http://schemas.microsoft.com/office/drawing/2010/main" val="0"/>
                 </a:ext>
                 <a:ext uri="{96DAC541-7B7A-43D3-8B79-37D633B846F1}">
-                  <asvg:svgBlip xmlns="" xmlns:asvg="http://schemas.microsoft.com/office/drawing/2016/SVG/main" r:embed="rId4"/>
+                  <asvg:svgBlip xmlns:asvg="http://schemas.microsoft.com/office/drawing/2016/SVG/main" xmlns="" r:embed="rId4"/>
                 </a:ext>
               </a:extLst>
             </a:blip>
@@ -7977,7 +8155,7 @@
                   <a14:useLocalDpi xmlns:a14="http://schemas.microsoft.com/office/drawing/2010/main" val="0"/>
                 </a:ext>
                 <a:ext uri="{96DAC541-7B7A-43D3-8B79-37D633B846F1}">
-                  <asvg:svgBlip xmlns="" xmlns:asvg="http://schemas.microsoft.com/office/drawing/2016/SVG/main" r:embed="rId4"/>
+                  <asvg:svgBlip xmlns:asvg="http://schemas.microsoft.com/office/drawing/2016/SVG/main" xmlns="" r:embed="rId4"/>
                 </a:ext>
               </a:extLst>
             </a:blip>
@@ -8012,7 +8190,7 @@
                   <a14:useLocalDpi xmlns:a14="http://schemas.microsoft.com/office/drawing/2010/main" val="0"/>
                 </a:ext>
                 <a:ext uri="{96DAC541-7B7A-43D3-8B79-37D633B846F1}">
-                  <asvg:svgBlip xmlns="" xmlns:asvg="http://schemas.microsoft.com/office/drawing/2016/SVG/main" r:embed="rId4"/>
+                  <asvg:svgBlip xmlns:asvg="http://schemas.microsoft.com/office/drawing/2016/SVG/main" xmlns="" r:embed="rId4"/>
                 </a:ext>
               </a:extLst>
             </a:blip>
@@ -8047,7 +8225,7 @@
                   <a14:useLocalDpi xmlns:a14="http://schemas.microsoft.com/office/drawing/2010/main" val="0"/>
                 </a:ext>
                 <a:ext uri="{96DAC541-7B7A-43D3-8B79-37D633B846F1}">
-                  <asvg:svgBlip xmlns="" xmlns:asvg="http://schemas.microsoft.com/office/drawing/2016/SVG/main" r:embed="rId4"/>
+                  <asvg:svgBlip xmlns:asvg="http://schemas.microsoft.com/office/drawing/2016/SVG/main" xmlns="" r:embed="rId4"/>
                 </a:ext>
               </a:extLst>
             </a:blip>
@@ -8082,7 +8260,7 @@
                   <a14:useLocalDpi xmlns:a14="http://schemas.microsoft.com/office/drawing/2010/main" val="0"/>
                 </a:ext>
                 <a:ext uri="{96DAC541-7B7A-43D3-8B79-37D633B846F1}">
-                  <asvg:svgBlip xmlns="" xmlns:asvg="http://schemas.microsoft.com/office/drawing/2016/SVG/main" r:embed="rId4"/>
+                  <asvg:svgBlip xmlns:asvg="http://schemas.microsoft.com/office/drawing/2016/SVG/main" xmlns="" r:embed="rId4"/>
                 </a:ext>
               </a:extLst>
             </a:blip>
@@ -8117,7 +8295,7 @@
                   <a14:useLocalDpi xmlns:a14="http://schemas.microsoft.com/office/drawing/2010/main" val="0"/>
                 </a:ext>
                 <a:ext uri="{96DAC541-7B7A-43D3-8B79-37D633B846F1}">
-                  <asvg:svgBlip xmlns="" xmlns:asvg="http://schemas.microsoft.com/office/drawing/2016/SVG/main" r:embed="rId4"/>
+                  <asvg:svgBlip xmlns:asvg="http://schemas.microsoft.com/office/drawing/2016/SVG/main" xmlns="" r:embed="rId4"/>
                 </a:ext>
               </a:extLst>
             </a:blip>
@@ -8241,7 +8419,7 @@
                   <a14:useLocalDpi xmlns:a14="http://schemas.microsoft.com/office/drawing/2010/main" val="0"/>
                 </a:ext>
                 <a:ext uri="{96DAC541-7B7A-43D3-8B79-37D633B846F1}">
-                  <asvg:svgBlip xmlns="" xmlns:asvg="http://schemas.microsoft.com/office/drawing/2016/SVG/main" r:embed="rId6"/>
+                  <asvg:svgBlip xmlns:asvg="http://schemas.microsoft.com/office/drawing/2016/SVG/main" xmlns="" r:embed="rId6"/>
                 </a:ext>
               </a:extLst>
             </a:blip>
@@ -8391,7 +8569,7 @@
                 <a14:useLocalDpi xmlns:a14="http://schemas.microsoft.com/office/drawing/2010/main" val="0"/>
               </a:ext>
               <a:ext uri="{96DAC541-7B7A-43D3-8B79-37D633B846F1}">
-                <asvg:svgBlip xmlns="" xmlns:asvg="http://schemas.microsoft.com/office/drawing/2016/SVG/main" r:embed="rId4"/>
+                <asvg:svgBlip xmlns:asvg="http://schemas.microsoft.com/office/drawing/2016/SVG/main" xmlns="" r:embed="rId4"/>
               </a:ext>
             </a:extLst>
           </a:blip>
@@ -8425,7 +8603,7 @@
                 <a14:useLocalDpi xmlns:a14="http://schemas.microsoft.com/office/drawing/2010/main" val="0"/>
               </a:ext>
               <a:ext uri="{96DAC541-7B7A-43D3-8B79-37D633B846F1}">
-                <asvg:svgBlip xmlns="" xmlns:asvg="http://schemas.microsoft.com/office/drawing/2016/SVG/main" r:embed="rId4"/>
+                <asvg:svgBlip xmlns:asvg="http://schemas.microsoft.com/office/drawing/2016/SVG/main" xmlns="" r:embed="rId4"/>
               </a:ext>
             </a:extLst>
           </a:blip>
@@ -8459,7 +8637,7 @@
                 <a14:useLocalDpi xmlns:a14="http://schemas.microsoft.com/office/drawing/2010/main" val="0"/>
               </a:ext>
               <a:ext uri="{96DAC541-7B7A-43D3-8B79-37D633B846F1}">
-                <asvg:svgBlip xmlns="" xmlns:asvg="http://schemas.microsoft.com/office/drawing/2016/SVG/main" r:embed="rId4"/>
+                <asvg:svgBlip xmlns:asvg="http://schemas.microsoft.com/office/drawing/2016/SVG/main" xmlns="" r:embed="rId4"/>
               </a:ext>
             </a:extLst>
           </a:blip>
@@ -8571,7 +8749,7 @@
                   <a14:useLocalDpi xmlns:a14="http://schemas.microsoft.com/office/drawing/2010/main" val="0"/>
                 </a:ext>
                 <a:ext uri="{96DAC541-7B7A-43D3-8B79-37D633B846F1}">
-                  <asvg:svgBlip xmlns="" xmlns:asvg="http://schemas.microsoft.com/office/drawing/2016/SVG/main" r:embed="rId7"/>
+                  <asvg:svgBlip xmlns:asvg="http://schemas.microsoft.com/office/drawing/2016/SVG/main" xmlns="" r:embed="rId7"/>
                 </a:ext>
               </a:extLst>
             </a:blip>
@@ -8606,7 +8784,7 @@
                   <a14:useLocalDpi xmlns:a14="http://schemas.microsoft.com/office/drawing/2010/main" val="0"/>
                 </a:ext>
                 <a:ext uri="{96DAC541-7B7A-43D3-8B79-37D633B846F1}">
-                  <asvg:svgBlip xmlns="" xmlns:asvg="http://schemas.microsoft.com/office/drawing/2016/SVG/main" r:embed="rId7"/>
+                  <asvg:svgBlip xmlns:asvg="http://schemas.microsoft.com/office/drawing/2016/SVG/main" xmlns="" r:embed="rId7"/>
                 </a:ext>
               </a:extLst>
             </a:blip>
@@ -8641,7 +8819,7 @@
                   <a14:useLocalDpi xmlns:a14="http://schemas.microsoft.com/office/drawing/2010/main" val="0"/>
                 </a:ext>
                 <a:ext uri="{96DAC541-7B7A-43D3-8B79-37D633B846F1}">
-                  <asvg:svgBlip xmlns="" xmlns:asvg="http://schemas.microsoft.com/office/drawing/2016/SVG/main" r:embed="rId7"/>
+                  <asvg:svgBlip xmlns:asvg="http://schemas.microsoft.com/office/drawing/2016/SVG/main" xmlns="" r:embed="rId7"/>
                 </a:ext>
               </a:extLst>
             </a:blip>
@@ -8676,7 +8854,7 @@
                   <a14:useLocalDpi xmlns:a14="http://schemas.microsoft.com/office/drawing/2010/main" val="0"/>
                 </a:ext>
                 <a:ext uri="{96DAC541-7B7A-43D3-8B79-37D633B846F1}">
-                  <asvg:svgBlip xmlns="" xmlns:asvg="http://schemas.microsoft.com/office/drawing/2016/SVG/main" r:embed="rId7"/>
+                  <asvg:svgBlip xmlns:asvg="http://schemas.microsoft.com/office/drawing/2016/SVG/main" xmlns="" r:embed="rId7"/>
                 </a:ext>
               </a:extLst>
             </a:blip>
@@ -8726,7 +8904,7 @@
                   <a14:useLocalDpi xmlns:a14="http://schemas.microsoft.com/office/drawing/2010/main" val="0"/>
                 </a:ext>
                 <a:ext uri="{96DAC541-7B7A-43D3-8B79-37D633B846F1}">
-                  <asvg:svgBlip xmlns="" xmlns:asvg="http://schemas.microsoft.com/office/drawing/2016/SVG/main" r:embed="rId7"/>
+                  <asvg:svgBlip xmlns:asvg="http://schemas.microsoft.com/office/drawing/2016/SVG/main" xmlns="" r:embed="rId7"/>
                 </a:ext>
               </a:extLst>
             </a:blip>
@@ -8761,7 +8939,7 @@
                   <a14:useLocalDpi xmlns:a14="http://schemas.microsoft.com/office/drawing/2010/main" val="0"/>
                 </a:ext>
                 <a:ext uri="{96DAC541-7B7A-43D3-8B79-37D633B846F1}">
-                  <asvg:svgBlip xmlns="" xmlns:asvg="http://schemas.microsoft.com/office/drawing/2016/SVG/main" r:embed="rId7"/>
+                  <asvg:svgBlip xmlns:asvg="http://schemas.microsoft.com/office/drawing/2016/SVG/main" xmlns="" r:embed="rId7"/>
                 </a:ext>
               </a:extLst>
             </a:blip>
@@ -8796,7 +8974,7 @@
                   <a14:useLocalDpi xmlns:a14="http://schemas.microsoft.com/office/drawing/2010/main" val="0"/>
                 </a:ext>
                 <a:ext uri="{96DAC541-7B7A-43D3-8B79-37D633B846F1}">
-                  <asvg:svgBlip xmlns="" xmlns:asvg="http://schemas.microsoft.com/office/drawing/2016/SVG/main" r:embed="rId7"/>
+                  <asvg:svgBlip xmlns:asvg="http://schemas.microsoft.com/office/drawing/2016/SVG/main" xmlns="" r:embed="rId7"/>
                 </a:ext>
               </a:extLst>
             </a:blip>
@@ -8831,7 +9009,7 @@
                   <a14:useLocalDpi xmlns:a14="http://schemas.microsoft.com/office/drawing/2010/main" val="0"/>
                 </a:ext>
                 <a:ext uri="{96DAC541-7B7A-43D3-8B79-37D633B846F1}">
-                  <asvg:svgBlip xmlns="" xmlns:asvg="http://schemas.microsoft.com/office/drawing/2016/SVG/main" r:embed="rId7"/>
+                  <asvg:svgBlip xmlns:asvg="http://schemas.microsoft.com/office/drawing/2016/SVG/main" xmlns="" r:embed="rId7"/>
                 </a:ext>
               </a:extLst>
             </a:blip>
@@ -8856,7 +9034,7 @@
           <p:cNvPr id="20" name="Group 11">
             <a:extLst>
               <a:ext uri="{FF2B5EF4-FFF2-40B4-BE49-F238E27FC236}">
-                <a16:creationId xmlns="" xmlns:a16="http://schemas.microsoft.com/office/drawing/2014/main" id="{C00ABEC5-EF3F-4E3E-827E-EB1F2EF17C0D}"/>
+                <a16:creationId xmlns:a16="http://schemas.microsoft.com/office/drawing/2014/main" xmlns="" id="{C00ABEC5-EF3F-4E3E-827E-EB1F2EF17C0D}"/>
               </a:ext>
             </a:extLst>
           </p:cNvPr>
@@ -8876,7 +9054,7 @@
             <p:cNvPr id="21" name="TextBox 12">
               <a:extLst>
                 <a:ext uri="{FF2B5EF4-FFF2-40B4-BE49-F238E27FC236}">
-                  <a16:creationId xmlns="" xmlns:a16="http://schemas.microsoft.com/office/drawing/2014/main" id="{19A1BE45-8301-44C6-A0D0-F8FDA800622F}"/>
+                  <a16:creationId xmlns:a16="http://schemas.microsoft.com/office/drawing/2014/main" xmlns="" id="{19A1BE45-8301-44C6-A0D0-F8FDA800622F}"/>
                 </a:ext>
               </a:extLst>
             </p:cNvPr>
@@ -8917,7 +9095,7 @@
             <p:cNvPr id="22" name="TextBox 13">
               <a:extLst>
                 <a:ext uri="{FF2B5EF4-FFF2-40B4-BE49-F238E27FC236}">
-                  <a16:creationId xmlns="" xmlns:a16="http://schemas.microsoft.com/office/drawing/2014/main" id="{3DAE5247-0244-4123-A713-8D8809E80C70}"/>
+                  <a16:creationId xmlns:a16="http://schemas.microsoft.com/office/drawing/2014/main" xmlns="" id="{3DAE5247-0244-4123-A713-8D8809E80C70}"/>
                 </a:ext>
               </a:extLst>
             </p:cNvPr>
@@ -8959,7 +9137,7 @@
           <p:cNvPr id="23" name="Group 14">
             <a:extLst>
               <a:ext uri="{FF2B5EF4-FFF2-40B4-BE49-F238E27FC236}">
-                <a16:creationId xmlns="" xmlns:a16="http://schemas.microsoft.com/office/drawing/2014/main" id="{F49CBA38-C879-499F-B0F5-691188949921}"/>
+                <a16:creationId xmlns:a16="http://schemas.microsoft.com/office/drawing/2014/main" xmlns="" id="{F49CBA38-C879-499F-B0F5-691188949921}"/>
               </a:ext>
             </a:extLst>
           </p:cNvPr>
@@ -8979,7 +9157,7 @@
             <p:cNvPr id="24" name="TextBox 15">
               <a:extLst>
                 <a:ext uri="{FF2B5EF4-FFF2-40B4-BE49-F238E27FC236}">
-                  <a16:creationId xmlns="" xmlns:a16="http://schemas.microsoft.com/office/drawing/2014/main" id="{3A90234A-916B-4C29-ACF1-11F97E8C2563}"/>
+                  <a16:creationId xmlns:a16="http://schemas.microsoft.com/office/drawing/2014/main" xmlns="" id="{3A90234A-916B-4C29-ACF1-11F97E8C2563}"/>
                 </a:ext>
               </a:extLst>
             </p:cNvPr>
@@ -9020,7 +9198,7 @@
             <p:cNvPr id="25" name="TextBox 16">
               <a:extLst>
                 <a:ext uri="{FF2B5EF4-FFF2-40B4-BE49-F238E27FC236}">
-                  <a16:creationId xmlns="" xmlns:a16="http://schemas.microsoft.com/office/drawing/2014/main" id="{E1CF9388-A25B-45EF-AAD4-73FE2BA72053}"/>
+                  <a16:creationId xmlns:a16="http://schemas.microsoft.com/office/drawing/2014/main" xmlns="" id="{E1CF9388-A25B-45EF-AAD4-73FE2BA72053}"/>
                 </a:ext>
               </a:extLst>
             </p:cNvPr>
@@ -9174,11 +9352,6 @@
               </a:rPr>
               <a:t>  </a:t>
             </a:r>
-            <a:endParaRPr lang="en-US" sz="2400" dirty="0" smtClean="0">
-              <a:solidFill>
-                <a:srgbClr val="8A00D6"/>
-              </a:solidFill>
-            </a:endParaRPr>
           </a:p>
           <a:p>
             <a:pPr marL="342900" indent="-342900">
@@ -9199,15 +9372,7 @@
                   <a:srgbClr val="8A00D6"/>
                 </a:solidFill>
               </a:rPr>
-              <a:t> </a:t>
-            </a:r>
-            <a:r>
-              <a:rPr lang="en-US" sz="2400" dirty="0" smtClean="0">
-                <a:solidFill>
-                  <a:srgbClr val="8A00D6"/>
-                </a:solidFill>
-              </a:rPr>
-              <a:t>is a </a:t>
+              <a:t> is a </a:t>
             </a:r>
             <a:r>
               <a:rPr lang="en-US" sz="2400" b="1" u="sng" dirty="0" smtClean="0">
@@ -9390,15 +9555,7 @@
                   <a:srgbClr val="8A00D6"/>
                 </a:solidFill>
               </a:rPr>
-              <a:t> of Total </a:t>
-            </a:r>
-            <a:r>
-              <a:rPr lang="en-US" sz="2400" dirty="0" smtClean="0">
-                <a:solidFill>
-                  <a:srgbClr val="8A00D6"/>
-                </a:solidFill>
-              </a:rPr>
-              <a:t>Views</a:t>
+              <a:t> of Total Views</a:t>
             </a:r>
           </a:p>
           <a:p>
@@ -9732,7 +9889,7 @@
                   <a14:useLocalDpi xmlns:a14="http://schemas.microsoft.com/office/drawing/2010/main" val="0"/>
                 </a:ext>
                 <a:ext uri="{96DAC541-7B7A-43D3-8B79-37D633B846F1}">
-                  <asvg:svgBlip xmlns="" xmlns:asvg="http://schemas.microsoft.com/office/drawing/2016/SVG/main" r:embed="rId4"/>
+                  <asvg:svgBlip xmlns:asvg="http://schemas.microsoft.com/office/drawing/2016/SVG/main" xmlns="" r:embed="rId4"/>
                 </a:ext>
               </a:extLst>
             </a:blip>
@@ -9820,7 +9977,7 @@
                   <a14:useLocalDpi xmlns:a14="http://schemas.microsoft.com/office/drawing/2010/main" val="0"/>
                 </a:ext>
                 <a:ext uri="{96DAC541-7B7A-43D3-8B79-37D633B846F1}">
-                  <asvg:svgBlip xmlns="" xmlns:asvg="http://schemas.microsoft.com/office/drawing/2016/SVG/main" r:embed="rId6"/>
+                  <asvg:svgBlip xmlns:asvg="http://schemas.microsoft.com/office/drawing/2016/SVG/main" xmlns="" r:embed="rId6"/>
                 </a:ext>
               </a:extLst>
             </a:blip>
@@ -9855,7 +10012,7 @@
                   <a14:useLocalDpi xmlns:a14="http://schemas.microsoft.com/office/drawing/2010/main" val="0"/>
                 </a:ext>
                 <a:ext uri="{96DAC541-7B7A-43D3-8B79-37D633B846F1}">
-                  <asvg:svgBlip xmlns="" xmlns:asvg="http://schemas.microsoft.com/office/drawing/2016/SVG/main" r:embed="rId6"/>
+                  <asvg:svgBlip xmlns:asvg="http://schemas.microsoft.com/office/drawing/2016/SVG/main" xmlns="" r:embed="rId6"/>
                 </a:ext>
               </a:extLst>
             </a:blip>
@@ -9890,7 +10047,7 @@
                   <a14:useLocalDpi xmlns:a14="http://schemas.microsoft.com/office/drawing/2010/main" val="0"/>
                 </a:ext>
                 <a:ext uri="{96DAC541-7B7A-43D3-8B79-37D633B846F1}">
-                  <asvg:svgBlip xmlns="" xmlns:asvg="http://schemas.microsoft.com/office/drawing/2016/SVG/main" r:embed="rId6"/>
+                  <asvg:svgBlip xmlns:asvg="http://schemas.microsoft.com/office/drawing/2016/SVG/main" xmlns="" r:embed="rId6"/>
                 </a:ext>
               </a:extLst>
             </a:blip>
@@ -9925,7 +10082,7 @@
                   <a14:useLocalDpi xmlns:a14="http://schemas.microsoft.com/office/drawing/2010/main" val="0"/>
                 </a:ext>
                 <a:ext uri="{96DAC541-7B7A-43D3-8B79-37D633B846F1}">
-                  <asvg:svgBlip xmlns="" xmlns:asvg="http://schemas.microsoft.com/office/drawing/2016/SVG/main" r:embed="rId6"/>
+                  <asvg:svgBlip xmlns:asvg="http://schemas.microsoft.com/office/drawing/2016/SVG/main" xmlns="" r:embed="rId6"/>
                 </a:ext>
               </a:extLst>
             </a:blip>
@@ -9960,7 +10117,7 @@
                   <a14:useLocalDpi xmlns:a14="http://schemas.microsoft.com/office/drawing/2010/main" val="0"/>
                 </a:ext>
                 <a:ext uri="{96DAC541-7B7A-43D3-8B79-37D633B846F1}">
-                  <asvg:svgBlip xmlns="" xmlns:asvg="http://schemas.microsoft.com/office/drawing/2016/SVG/main" r:embed="rId6"/>
+                  <asvg:svgBlip xmlns:asvg="http://schemas.microsoft.com/office/drawing/2016/SVG/main" xmlns="" r:embed="rId6"/>
                 </a:ext>
               </a:extLst>
             </a:blip>
@@ -9995,7 +10152,7 @@
                   <a14:useLocalDpi xmlns:a14="http://schemas.microsoft.com/office/drawing/2010/main" val="0"/>
                 </a:ext>
                 <a:ext uri="{96DAC541-7B7A-43D3-8B79-37D633B846F1}">
-                  <asvg:svgBlip xmlns="" xmlns:asvg="http://schemas.microsoft.com/office/drawing/2016/SVG/main" r:embed="rId6"/>
+                  <asvg:svgBlip xmlns:asvg="http://schemas.microsoft.com/office/drawing/2016/SVG/main" xmlns="" r:embed="rId6"/>
                 </a:ext>
               </a:extLst>
             </a:blip>
@@ -10030,7 +10187,7 @@
                   <a14:useLocalDpi xmlns:a14="http://schemas.microsoft.com/office/drawing/2010/main" val="0"/>
                 </a:ext>
                 <a:ext uri="{96DAC541-7B7A-43D3-8B79-37D633B846F1}">
-                  <asvg:svgBlip xmlns="" xmlns:asvg="http://schemas.microsoft.com/office/drawing/2016/SVG/main" r:embed="rId6"/>
+                  <asvg:svgBlip xmlns:asvg="http://schemas.microsoft.com/office/drawing/2016/SVG/main" xmlns="" r:embed="rId6"/>
                 </a:ext>
               </a:extLst>
             </a:blip>
@@ -10080,7 +10237,7 @@
                   <a14:useLocalDpi xmlns:a14="http://schemas.microsoft.com/office/drawing/2010/main" val="0"/>
                 </a:ext>
                 <a:ext uri="{96DAC541-7B7A-43D3-8B79-37D633B846F1}">
-                  <asvg:svgBlip xmlns="" xmlns:asvg="http://schemas.microsoft.com/office/drawing/2016/SVG/main" r:embed="rId6"/>
+                  <asvg:svgBlip xmlns:asvg="http://schemas.microsoft.com/office/drawing/2016/SVG/main" xmlns="" r:embed="rId6"/>
                 </a:ext>
               </a:extLst>
             </a:blip>
@@ -10115,7 +10272,7 @@
                   <a14:useLocalDpi xmlns:a14="http://schemas.microsoft.com/office/drawing/2010/main" val="0"/>
                 </a:ext>
                 <a:ext uri="{96DAC541-7B7A-43D3-8B79-37D633B846F1}">
-                  <asvg:svgBlip xmlns="" xmlns:asvg="http://schemas.microsoft.com/office/drawing/2016/SVG/main" r:embed="rId6"/>
+                  <asvg:svgBlip xmlns:asvg="http://schemas.microsoft.com/office/drawing/2016/SVG/main" xmlns="" r:embed="rId6"/>
                 </a:ext>
               </a:extLst>
             </a:blip>
@@ -10150,7 +10307,7 @@
                   <a14:useLocalDpi xmlns:a14="http://schemas.microsoft.com/office/drawing/2010/main" val="0"/>
                 </a:ext>
                 <a:ext uri="{96DAC541-7B7A-43D3-8B79-37D633B846F1}">
-                  <asvg:svgBlip xmlns="" xmlns:asvg="http://schemas.microsoft.com/office/drawing/2016/SVG/main" r:embed="rId6"/>
+                  <asvg:svgBlip xmlns:asvg="http://schemas.microsoft.com/office/drawing/2016/SVG/main" xmlns="" r:embed="rId6"/>
                 </a:ext>
               </a:extLst>
             </a:blip>
@@ -10185,7 +10342,7 @@
                   <a14:useLocalDpi xmlns:a14="http://schemas.microsoft.com/office/drawing/2010/main" val="0"/>
                 </a:ext>
                 <a:ext uri="{96DAC541-7B7A-43D3-8B79-37D633B846F1}">
-                  <asvg:svgBlip xmlns="" xmlns:asvg="http://schemas.microsoft.com/office/drawing/2016/SVG/main" r:embed="rId6"/>
+                  <asvg:svgBlip xmlns:asvg="http://schemas.microsoft.com/office/drawing/2016/SVG/main" xmlns="" r:embed="rId6"/>
                 </a:ext>
               </a:extLst>
             </a:blip>
@@ -10220,7 +10377,7 @@
                   <a14:useLocalDpi xmlns:a14="http://schemas.microsoft.com/office/drawing/2010/main" val="0"/>
                 </a:ext>
                 <a:ext uri="{96DAC541-7B7A-43D3-8B79-37D633B846F1}">
-                  <asvg:svgBlip xmlns="" xmlns:asvg="http://schemas.microsoft.com/office/drawing/2016/SVG/main" r:embed="rId6"/>
+                  <asvg:svgBlip xmlns:asvg="http://schemas.microsoft.com/office/drawing/2016/SVG/main" xmlns="" r:embed="rId6"/>
                 </a:ext>
               </a:extLst>
             </a:blip>
@@ -10255,7 +10412,7 @@
                   <a14:useLocalDpi xmlns:a14="http://schemas.microsoft.com/office/drawing/2010/main" val="0"/>
                 </a:ext>
                 <a:ext uri="{96DAC541-7B7A-43D3-8B79-37D633B846F1}">
-                  <asvg:svgBlip xmlns="" xmlns:asvg="http://schemas.microsoft.com/office/drawing/2016/SVG/main" r:embed="rId6"/>
+                  <asvg:svgBlip xmlns:asvg="http://schemas.microsoft.com/office/drawing/2016/SVG/main" xmlns="" r:embed="rId6"/>
                 </a:ext>
               </a:extLst>
             </a:blip>
@@ -10290,7 +10447,7 @@
                   <a14:useLocalDpi xmlns:a14="http://schemas.microsoft.com/office/drawing/2010/main" val="0"/>
                 </a:ext>
                 <a:ext uri="{96DAC541-7B7A-43D3-8B79-37D633B846F1}">
-                  <asvg:svgBlip xmlns="" xmlns:asvg="http://schemas.microsoft.com/office/drawing/2016/SVG/main" r:embed="rId6"/>
+                  <asvg:svgBlip xmlns:asvg="http://schemas.microsoft.com/office/drawing/2016/SVG/main" xmlns="" r:embed="rId6"/>
                 </a:ext>
               </a:extLst>
             </a:blip>
@@ -10603,7 +10760,7 @@
                   <a14:useLocalDpi xmlns:a14="http://schemas.microsoft.com/office/drawing/2010/main" val="0"/>
                 </a:ext>
                 <a:ext uri="{96DAC541-7B7A-43D3-8B79-37D633B846F1}">
-                  <asvg:svgBlip xmlns="" xmlns:asvg="http://schemas.microsoft.com/office/drawing/2016/SVG/main" r:embed="rId4"/>
+                  <asvg:svgBlip xmlns:asvg="http://schemas.microsoft.com/office/drawing/2016/SVG/main" xmlns="" r:embed="rId4"/>
                 </a:ext>
               </a:extLst>
             </a:blip>
@@ -10720,7 +10877,7 @@
                   <a14:useLocalDpi xmlns:a14="http://schemas.microsoft.com/office/drawing/2010/main" val="0"/>
                 </a:ext>
                 <a:ext uri="{96DAC541-7B7A-43D3-8B79-37D633B846F1}">
-                  <asvg:svgBlip xmlns="" xmlns:asvg="http://schemas.microsoft.com/office/drawing/2016/SVG/main" r:embed="rId4"/>
+                  <asvg:svgBlip xmlns:asvg="http://schemas.microsoft.com/office/drawing/2016/SVG/main" xmlns="" r:embed="rId4"/>
                 </a:ext>
               </a:extLst>
             </a:blip>
@@ -10837,7 +10994,7 @@
                   <a14:useLocalDpi xmlns:a14="http://schemas.microsoft.com/office/drawing/2010/main" val="0"/>
                 </a:ext>
                 <a:ext uri="{96DAC541-7B7A-43D3-8B79-37D633B846F1}">
-                  <asvg:svgBlip xmlns="" xmlns:asvg="http://schemas.microsoft.com/office/drawing/2016/SVG/main" r:embed="rId4"/>
+                  <asvg:svgBlip xmlns:asvg="http://schemas.microsoft.com/office/drawing/2016/SVG/main" xmlns="" r:embed="rId4"/>
                 </a:ext>
               </a:extLst>
             </a:blip>
@@ -10887,7 +11044,7 @@
                   <a14:useLocalDpi xmlns:a14="http://schemas.microsoft.com/office/drawing/2010/main" val="0"/>
                 </a:ext>
                 <a:ext uri="{96DAC541-7B7A-43D3-8B79-37D633B846F1}">
-                  <asvg:svgBlip xmlns="" xmlns:asvg="http://schemas.microsoft.com/office/drawing/2016/SVG/main" r:embed="rId6"/>
+                  <asvg:svgBlip xmlns:asvg="http://schemas.microsoft.com/office/drawing/2016/SVG/main" xmlns="" r:embed="rId6"/>
                 </a:ext>
               </a:extLst>
             </a:blip>
@@ -10922,7 +11079,7 @@
                   <a14:useLocalDpi xmlns:a14="http://schemas.microsoft.com/office/drawing/2010/main" val="0"/>
                 </a:ext>
                 <a:ext uri="{96DAC541-7B7A-43D3-8B79-37D633B846F1}">
-                  <asvg:svgBlip xmlns="" xmlns:asvg="http://schemas.microsoft.com/office/drawing/2016/SVG/main" r:embed="rId6"/>
+                  <asvg:svgBlip xmlns:asvg="http://schemas.microsoft.com/office/drawing/2016/SVG/main" xmlns="" r:embed="rId6"/>
                 </a:ext>
               </a:extLst>
             </a:blip>
@@ -10957,7 +11114,7 @@
                   <a14:useLocalDpi xmlns:a14="http://schemas.microsoft.com/office/drawing/2010/main" val="0"/>
                 </a:ext>
                 <a:ext uri="{96DAC541-7B7A-43D3-8B79-37D633B846F1}">
-                  <asvg:svgBlip xmlns="" xmlns:asvg="http://schemas.microsoft.com/office/drawing/2016/SVG/main" r:embed="rId6"/>
+                  <asvg:svgBlip xmlns:asvg="http://schemas.microsoft.com/office/drawing/2016/SVG/main" xmlns="" r:embed="rId6"/>
                 </a:ext>
               </a:extLst>
             </a:blip>
@@ -10992,7 +11149,7 @@
                   <a14:useLocalDpi xmlns:a14="http://schemas.microsoft.com/office/drawing/2010/main" val="0"/>
                 </a:ext>
                 <a:ext uri="{96DAC541-7B7A-43D3-8B79-37D633B846F1}">
-                  <asvg:svgBlip xmlns="" xmlns:asvg="http://schemas.microsoft.com/office/drawing/2016/SVG/main" r:embed="rId6"/>
+                  <asvg:svgBlip xmlns:asvg="http://schemas.microsoft.com/office/drawing/2016/SVG/main" xmlns="" r:embed="rId6"/>
                 </a:ext>
               </a:extLst>
             </a:blip>
@@ -11204,7 +11361,7 @@
                   <a14:useLocalDpi xmlns:a14="http://schemas.microsoft.com/office/drawing/2010/main" val="0"/>
                 </a:ext>
                 <a:ext uri="{96DAC541-7B7A-43D3-8B79-37D633B846F1}">
-                  <asvg:svgBlip xmlns="" xmlns:asvg="http://schemas.microsoft.com/office/drawing/2016/SVG/main" r:embed="rId4"/>
+                  <asvg:svgBlip xmlns:asvg="http://schemas.microsoft.com/office/drawing/2016/SVG/main" xmlns="" r:embed="rId4"/>
                 </a:ext>
               </a:extLst>
             </a:blip>
@@ -11239,7 +11396,7 @@
                   <a14:useLocalDpi xmlns:a14="http://schemas.microsoft.com/office/drawing/2010/main" val="0"/>
                 </a:ext>
                 <a:ext uri="{96DAC541-7B7A-43D3-8B79-37D633B846F1}">
-                  <asvg:svgBlip xmlns="" xmlns:asvg="http://schemas.microsoft.com/office/drawing/2016/SVG/main" r:embed="rId4"/>
+                  <asvg:svgBlip xmlns:asvg="http://schemas.microsoft.com/office/drawing/2016/SVG/main" xmlns="" r:embed="rId4"/>
                 </a:ext>
               </a:extLst>
             </a:blip>
@@ -11274,7 +11431,7 @@
                   <a14:useLocalDpi xmlns:a14="http://schemas.microsoft.com/office/drawing/2010/main" val="0"/>
                 </a:ext>
                 <a:ext uri="{96DAC541-7B7A-43D3-8B79-37D633B846F1}">
-                  <asvg:svgBlip xmlns="" xmlns:asvg="http://schemas.microsoft.com/office/drawing/2016/SVG/main" r:embed="rId4"/>
+                  <asvg:svgBlip xmlns:asvg="http://schemas.microsoft.com/office/drawing/2016/SVG/main" xmlns="" r:embed="rId4"/>
                 </a:ext>
               </a:extLst>
             </a:blip>
@@ -11309,7 +11466,7 @@
                   <a14:useLocalDpi xmlns:a14="http://schemas.microsoft.com/office/drawing/2010/main" val="0"/>
                 </a:ext>
                 <a:ext uri="{96DAC541-7B7A-43D3-8B79-37D633B846F1}">
-                  <asvg:svgBlip xmlns="" xmlns:asvg="http://schemas.microsoft.com/office/drawing/2016/SVG/main" r:embed="rId4"/>
+                  <asvg:svgBlip xmlns:asvg="http://schemas.microsoft.com/office/drawing/2016/SVG/main" xmlns="" r:embed="rId4"/>
                 </a:ext>
               </a:extLst>
             </a:blip>
@@ -11344,7 +11501,7 @@
                   <a14:useLocalDpi xmlns:a14="http://schemas.microsoft.com/office/drawing/2010/main" val="0"/>
                 </a:ext>
                 <a:ext uri="{96DAC541-7B7A-43D3-8B79-37D633B846F1}">
-                  <asvg:svgBlip xmlns="" xmlns:asvg="http://schemas.microsoft.com/office/drawing/2016/SVG/main" r:embed="rId4"/>
+                  <asvg:svgBlip xmlns:asvg="http://schemas.microsoft.com/office/drawing/2016/SVG/main" xmlns="" r:embed="rId4"/>
                 </a:ext>
               </a:extLst>
             </a:blip>
@@ -11379,7 +11536,7 @@
                   <a14:useLocalDpi xmlns:a14="http://schemas.microsoft.com/office/drawing/2010/main" val="0"/>
                 </a:ext>
                 <a:ext uri="{96DAC541-7B7A-43D3-8B79-37D633B846F1}">
-                  <asvg:svgBlip xmlns="" xmlns:asvg="http://schemas.microsoft.com/office/drawing/2016/SVG/main" r:embed="rId4"/>
+                  <asvg:svgBlip xmlns:asvg="http://schemas.microsoft.com/office/drawing/2016/SVG/main" xmlns="" r:embed="rId4"/>
                 </a:ext>
               </a:extLst>
             </a:blip>
@@ -11414,7 +11571,7 @@
                   <a14:useLocalDpi xmlns:a14="http://schemas.microsoft.com/office/drawing/2010/main" val="0"/>
                 </a:ext>
                 <a:ext uri="{96DAC541-7B7A-43D3-8B79-37D633B846F1}">
-                  <asvg:svgBlip xmlns="" xmlns:asvg="http://schemas.microsoft.com/office/drawing/2016/SVG/main" r:embed="rId4"/>
+                  <asvg:svgBlip xmlns:asvg="http://schemas.microsoft.com/office/drawing/2016/SVG/main" xmlns="" r:embed="rId4"/>
                 </a:ext>
               </a:extLst>
             </a:blip>
@@ -11449,7 +11606,7 @@
                   <a14:useLocalDpi xmlns:a14="http://schemas.microsoft.com/office/drawing/2010/main" val="0"/>
                 </a:ext>
                 <a:ext uri="{96DAC541-7B7A-43D3-8B79-37D633B846F1}">
-                  <asvg:svgBlip xmlns="" xmlns:asvg="http://schemas.microsoft.com/office/drawing/2016/SVG/main" r:embed="rId4"/>
+                  <asvg:svgBlip xmlns:asvg="http://schemas.microsoft.com/office/drawing/2016/SVG/main" xmlns="" r:embed="rId4"/>
                 </a:ext>
               </a:extLst>
             </a:blip>
@@ -11484,7 +11641,7 @@
                   <a14:useLocalDpi xmlns:a14="http://schemas.microsoft.com/office/drawing/2010/main" val="0"/>
                 </a:ext>
                 <a:ext uri="{96DAC541-7B7A-43D3-8B79-37D633B846F1}">
-                  <asvg:svgBlip xmlns="" xmlns:asvg="http://schemas.microsoft.com/office/drawing/2016/SVG/main" r:embed="rId4"/>
+                  <asvg:svgBlip xmlns:asvg="http://schemas.microsoft.com/office/drawing/2016/SVG/main" xmlns="" r:embed="rId4"/>
                 </a:ext>
               </a:extLst>
             </a:blip>
@@ -11519,7 +11676,7 @@
                   <a14:useLocalDpi xmlns:a14="http://schemas.microsoft.com/office/drawing/2010/main" val="0"/>
                 </a:ext>
                 <a:ext uri="{96DAC541-7B7A-43D3-8B79-37D633B846F1}">
-                  <asvg:svgBlip xmlns="" xmlns:asvg="http://schemas.microsoft.com/office/drawing/2016/SVG/main" r:embed="rId4"/>
+                  <asvg:svgBlip xmlns:asvg="http://schemas.microsoft.com/office/drawing/2016/SVG/main" xmlns="" r:embed="rId4"/>
                 </a:ext>
               </a:extLst>
             </a:blip>
@@ -11554,7 +11711,7 @@
                   <a14:useLocalDpi xmlns:a14="http://schemas.microsoft.com/office/drawing/2010/main" val="0"/>
                 </a:ext>
                 <a:ext uri="{96DAC541-7B7A-43D3-8B79-37D633B846F1}">
-                  <asvg:svgBlip xmlns="" xmlns:asvg="http://schemas.microsoft.com/office/drawing/2016/SVG/main" r:embed="rId4"/>
+                  <asvg:svgBlip xmlns:asvg="http://schemas.microsoft.com/office/drawing/2016/SVG/main" xmlns="" r:embed="rId4"/>
                 </a:ext>
               </a:extLst>
             </a:blip>
@@ -11589,7 +11746,7 @@
                   <a14:useLocalDpi xmlns:a14="http://schemas.microsoft.com/office/drawing/2010/main" val="0"/>
                 </a:ext>
                 <a:ext uri="{96DAC541-7B7A-43D3-8B79-37D633B846F1}">
-                  <asvg:svgBlip xmlns="" xmlns:asvg="http://schemas.microsoft.com/office/drawing/2016/SVG/main" r:embed="rId4"/>
+                  <asvg:svgBlip xmlns:asvg="http://schemas.microsoft.com/office/drawing/2016/SVG/main" xmlns="" r:embed="rId4"/>
                 </a:ext>
               </a:extLst>
             </a:blip>
@@ -11624,7 +11781,7 @@
                   <a14:useLocalDpi xmlns:a14="http://schemas.microsoft.com/office/drawing/2010/main" val="0"/>
                 </a:ext>
                 <a:ext uri="{96DAC541-7B7A-43D3-8B79-37D633B846F1}">
-                  <asvg:svgBlip xmlns="" xmlns:asvg="http://schemas.microsoft.com/office/drawing/2016/SVG/main" r:embed="rId4"/>
+                  <asvg:svgBlip xmlns:asvg="http://schemas.microsoft.com/office/drawing/2016/SVG/main" xmlns="" r:embed="rId4"/>
                 </a:ext>
               </a:extLst>
             </a:blip>
@@ -11659,7 +11816,7 @@
                   <a14:useLocalDpi xmlns:a14="http://schemas.microsoft.com/office/drawing/2010/main" val="0"/>
                 </a:ext>
                 <a:ext uri="{96DAC541-7B7A-43D3-8B79-37D633B846F1}">
-                  <asvg:svgBlip xmlns="" xmlns:asvg="http://schemas.microsoft.com/office/drawing/2016/SVG/main" r:embed="rId4"/>
+                  <asvg:svgBlip xmlns:asvg="http://schemas.microsoft.com/office/drawing/2016/SVG/main" xmlns="" r:embed="rId4"/>
                 </a:ext>
               </a:extLst>
             </a:blip>
@@ -11694,7 +11851,7 @@
                   <a14:useLocalDpi xmlns:a14="http://schemas.microsoft.com/office/drawing/2010/main" val="0"/>
                 </a:ext>
                 <a:ext uri="{96DAC541-7B7A-43D3-8B79-37D633B846F1}">
-                  <asvg:svgBlip xmlns="" xmlns:asvg="http://schemas.microsoft.com/office/drawing/2016/SVG/main" r:embed="rId4"/>
+                  <asvg:svgBlip xmlns:asvg="http://schemas.microsoft.com/office/drawing/2016/SVG/main" xmlns="" r:embed="rId4"/>
                 </a:ext>
               </a:extLst>
             </a:blip>
@@ -11729,7 +11886,7 @@
                   <a14:useLocalDpi xmlns:a14="http://schemas.microsoft.com/office/drawing/2010/main" val="0"/>
                 </a:ext>
                 <a:ext uri="{96DAC541-7B7A-43D3-8B79-37D633B846F1}">
-                  <asvg:svgBlip xmlns="" xmlns:asvg="http://schemas.microsoft.com/office/drawing/2016/SVG/main" r:embed="rId4"/>
+                  <asvg:svgBlip xmlns:asvg="http://schemas.microsoft.com/office/drawing/2016/SVG/main" xmlns="" r:embed="rId4"/>
                 </a:ext>
               </a:extLst>
             </a:blip>
@@ -11764,7 +11921,7 @@
                   <a14:useLocalDpi xmlns:a14="http://schemas.microsoft.com/office/drawing/2010/main" val="0"/>
                 </a:ext>
                 <a:ext uri="{96DAC541-7B7A-43D3-8B79-37D633B846F1}">
-                  <asvg:svgBlip xmlns="" xmlns:asvg="http://schemas.microsoft.com/office/drawing/2016/SVG/main" r:embed="rId4"/>
+                  <asvg:svgBlip xmlns:asvg="http://schemas.microsoft.com/office/drawing/2016/SVG/main" xmlns="" r:embed="rId4"/>
                 </a:ext>
               </a:extLst>
             </a:blip>
@@ -11799,7 +11956,7 @@
                   <a14:useLocalDpi xmlns:a14="http://schemas.microsoft.com/office/drawing/2010/main" val="0"/>
                 </a:ext>
                 <a:ext uri="{96DAC541-7B7A-43D3-8B79-37D633B846F1}">
-                  <asvg:svgBlip xmlns="" xmlns:asvg="http://schemas.microsoft.com/office/drawing/2016/SVG/main" r:embed="rId4"/>
+                  <asvg:svgBlip xmlns:asvg="http://schemas.microsoft.com/office/drawing/2016/SVG/main" xmlns="" r:embed="rId4"/>
                 </a:ext>
               </a:extLst>
             </a:blip>
@@ -11834,7 +11991,7 @@
                   <a14:useLocalDpi xmlns:a14="http://schemas.microsoft.com/office/drawing/2010/main" val="0"/>
                 </a:ext>
                 <a:ext uri="{96DAC541-7B7A-43D3-8B79-37D633B846F1}">
-                  <asvg:svgBlip xmlns="" xmlns:asvg="http://schemas.microsoft.com/office/drawing/2016/SVG/main" r:embed="rId4"/>
+                  <asvg:svgBlip xmlns:asvg="http://schemas.microsoft.com/office/drawing/2016/SVG/main" xmlns="" r:embed="rId4"/>
                 </a:ext>
               </a:extLst>
             </a:blip>
@@ -11869,7 +12026,7 @@
                   <a14:useLocalDpi xmlns:a14="http://schemas.microsoft.com/office/drawing/2010/main" val="0"/>
                 </a:ext>
                 <a:ext uri="{96DAC541-7B7A-43D3-8B79-37D633B846F1}">
-                  <asvg:svgBlip xmlns="" xmlns:asvg="http://schemas.microsoft.com/office/drawing/2016/SVG/main" r:embed="rId4"/>
+                  <asvg:svgBlip xmlns:asvg="http://schemas.microsoft.com/office/drawing/2016/SVG/main" xmlns="" r:embed="rId4"/>
                 </a:ext>
               </a:extLst>
             </a:blip>
@@ -11904,7 +12061,7 @@
                   <a14:useLocalDpi xmlns:a14="http://schemas.microsoft.com/office/drawing/2010/main" val="0"/>
                 </a:ext>
                 <a:ext uri="{96DAC541-7B7A-43D3-8B79-37D633B846F1}">
-                  <asvg:svgBlip xmlns="" xmlns:asvg="http://schemas.microsoft.com/office/drawing/2016/SVG/main" r:embed="rId4"/>
+                  <asvg:svgBlip xmlns:asvg="http://schemas.microsoft.com/office/drawing/2016/SVG/main" xmlns="" r:embed="rId4"/>
                 </a:ext>
               </a:extLst>
             </a:blip>
@@ -11939,7 +12096,7 @@
                   <a14:useLocalDpi xmlns:a14="http://schemas.microsoft.com/office/drawing/2010/main" val="0"/>
                 </a:ext>
                 <a:ext uri="{96DAC541-7B7A-43D3-8B79-37D633B846F1}">
-                  <asvg:svgBlip xmlns="" xmlns:asvg="http://schemas.microsoft.com/office/drawing/2016/SVG/main" r:embed="rId4"/>
+                  <asvg:svgBlip xmlns:asvg="http://schemas.microsoft.com/office/drawing/2016/SVG/main" xmlns="" r:embed="rId4"/>
                 </a:ext>
               </a:extLst>
             </a:blip>
@@ -11974,7 +12131,7 @@
                   <a14:useLocalDpi xmlns:a14="http://schemas.microsoft.com/office/drawing/2010/main" val="0"/>
                 </a:ext>
                 <a:ext uri="{96DAC541-7B7A-43D3-8B79-37D633B846F1}">
-                  <asvg:svgBlip xmlns="" xmlns:asvg="http://schemas.microsoft.com/office/drawing/2016/SVG/main" r:embed="rId4"/>
+                  <asvg:svgBlip xmlns:asvg="http://schemas.microsoft.com/office/drawing/2016/SVG/main" xmlns="" r:embed="rId4"/>
                 </a:ext>
               </a:extLst>
             </a:blip>
@@ -12009,7 +12166,7 @@
                   <a14:useLocalDpi xmlns:a14="http://schemas.microsoft.com/office/drawing/2010/main" val="0"/>
                 </a:ext>
                 <a:ext uri="{96DAC541-7B7A-43D3-8B79-37D633B846F1}">
-                  <asvg:svgBlip xmlns="" xmlns:asvg="http://schemas.microsoft.com/office/drawing/2016/SVG/main" r:embed="rId4"/>
+                  <asvg:svgBlip xmlns:asvg="http://schemas.microsoft.com/office/drawing/2016/SVG/main" xmlns="" r:embed="rId4"/>
                 </a:ext>
               </a:extLst>
             </a:blip>
@@ -12044,7 +12201,7 @@
                   <a14:useLocalDpi xmlns:a14="http://schemas.microsoft.com/office/drawing/2010/main" val="0"/>
                 </a:ext>
                 <a:ext uri="{96DAC541-7B7A-43D3-8B79-37D633B846F1}">
-                  <asvg:svgBlip xmlns="" xmlns:asvg="http://schemas.microsoft.com/office/drawing/2016/SVG/main" r:embed="rId4"/>
+                  <asvg:svgBlip xmlns:asvg="http://schemas.microsoft.com/office/drawing/2016/SVG/main" xmlns="" r:embed="rId4"/>
                 </a:ext>
               </a:extLst>
             </a:blip>
@@ -12079,7 +12236,7 @@
                   <a14:useLocalDpi xmlns:a14="http://schemas.microsoft.com/office/drawing/2010/main" val="0"/>
                 </a:ext>
                 <a:ext uri="{96DAC541-7B7A-43D3-8B79-37D633B846F1}">
-                  <asvg:svgBlip xmlns="" xmlns:asvg="http://schemas.microsoft.com/office/drawing/2016/SVG/main" r:embed="rId4"/>
+                  <asvg:svgBlip xmlns:asvg="http://schemas.microsoft.com/office/drawing/2016/SVG/main" xmlns="" r:embed="rId4"/>
                 </a:ext>
               </a:extLst>
             </a:blip>
@@ -12114,7 +12271,7 @@
                   <a14:useLocalDpi xmlns:a14="http://schemas.microsoft.com/office/drawing/2010/main" val="0"/>
                 </a:ext>
                 <a:ext uri="{96DAC541-7B7A-43D3-8B79-37D633B846F1}">
-                  <asvg:svgBlip xmlns="" xmlns:asvg="http://schemas.microsoft.com/office/drawing/2016/SVG/main" r:embed="rId4"/>
+                  <asvg:svgBlip xmlns:asvg="http://schemas.microsoft.com/office/drawing/2016/SVG/main" xmlns="" r:embed="rId4"/>
                 </a:ext>
               </a:extLst>
             </a:blip>
@@ -12149,7 +12306,7 @@
                   <a14:useLocalDpi xmlns:a14="http://schemas.microsoft.com/office/drawing/2010/main" val="0"/>
                 </a:ext>
                 <a:ext uri="{96DAC541-7B7A-43D3-8B79-37D633B846F1}">
-                  <asvg:svgBlip xmlns="" xmlns:asvg="http://schemas.microsoft.com/office/drawing/2016/SVG/main" r:embed="rId4"/>
+                  <asvg:svgBlip xmlns:asvg="http://schemas.microsoft.com/office/drawing/2016/SVG/main" xmlns="" r:embed="rId4"/>
                 </a:ext>
               </a:extLst>
             </a:blip>
@@ -12364,7 +12521,7 @@
                 <a14:useLocalDpi xmlns:a14="http://schemas.microsoft.com/office/drawing/2010/main" val="0"/>
               </a:ext>
               <a:ext uri="{96DAC541-7B7A-43D3-8B79-37D633B846F1}">
-                <asvg:svgBlip xmlns="" xmlns:asvg="http://schemas.microsoft.com/office/drawing/2016/SVG/main" r:embed="rId6"/>
+                <asvg:svgBlip xmlns:asvg="http://schemas.microsoft.com/office/drawing/2016/SVG/main" xmlns="" r:embed="rId6"/>
               </a:ext>
             </a:extLst>
           </a:blip>
@@ -12543,7 +12700,7 @@
                   <a14:useLocalDpi xmlns:a14="http://schemas.microsoft.com/office/drawing/2010/main" val="0"/>
                 </a:ext>
                 <a:ext uri="{96DAC541-7B7A-43D3-8B79-37D633B846F1}">
-                  <asvg:svgBlip xmlns="" xmlns:asvg="http://schemas.microsoft.com/office/drawing/2016/SVG/main" r:embed="rId4"/>
+                  <asvg:svgBlip xmlns:asvg="http://schemas.microsoft.com/office/drawing/2016/SVG/main" xmlns="" r:embed="rId4"/>
                 </a:ext>
               </a:extLst>
             </a:blip>
@@ -12624,7 +12781,7 @@
                   <a14:useLocalDpi xmlns:a14="http://schemas.microsoft.com/office/drawing/2010/main" val="0"/>
                 </a:ext>
                 <a:ext uri="{96DAC541-7B7A-43D3-8B79-37D633B846F1}">
-                  <asvg:svgBlip xmlns="" xmlns:asvg="http://schemas.microsoft.com/office/drawing/2016/SVG/main" r:embed="rId6"/>
+                  <asvg:svgBlip xmlns:asvg="http://schemas.microsoft.com/office/drawing/2016/SVG/main" xmlns="" r:embed="rId6"/>
                 </a:ext>
               </a:extLst>
             </a:blip>
@@ -12659,7 +12816,7 @@
                   <a14:useLocalDpi xmlns:a14="http://schemas.microsoft.com/office/drawing/2010/main" val="0"/>
                 </a:ext>
                 <a:ext uri="{96DAC541-7B7A-43D3-8B79-37D633B846F1}">
-                  <asvg:svgBlip xmlns="" xmlns:asvg="http://schemas.microsoft.com/office/drawing/2016/SVG/main" r:embed="rId6"/>
+                  <asvg:svgBlip xmlns:asvg="http://schemas.microsoft.com/office/drawing/2016/SVG/main" xmlns="" r:embed="rId6"/>
                 </a:ext>
               </a:extLst>
             </a:blip>
@@ -12694,7 +12851,7 @@
                   <a14:useLocalDpi xmlns:a14="http://schemas.microsoft.com/office/drawing/2010/main" val="0"/>
                 </a:ext>
                 <a:ext uri="{96DAC541-7B7A-43D3-8B79-37D633B846F1}">
-                  <asvg:svgBlip xmlns="" xmlns:asvg="http://schemas.microsoft.com/office/drawing/2016/SVG/main" r:embed="rId6"/>
+                  <asvg:svgBlip xmlns:asvg="http://schemas.microsoft.com/office/drawing/2016/SVG/main" xmlns="" r:embed="rId6"/>
                 </a:ext>
               </a:extLst>
             </a:blip>
@@ -12729,7 +12886,7 @@
                   <a14:useLocalDpi xmlns:a14="http://schemas.microsoft.com/office/drawing/2010/main" val="0"/>
                 </a:ext>
                 <a:ext uri="{96DAC541-7B7A-43D3-8B79-37D633B846F1}">
-                  <asvg:svgBlip xmlns="" xmlns:asvg="http://schemas.microsoft.com/office/drawing/2016/SVG/main" r:embed="rId6"/>
+                  <asvg:svgBlip xmlns:asvg="http://schemas.microsoft.com/office/drawing/2016/SVG/main" xmlns="" r:embed="rId6"/>
                 </a:ext>
               </a:extLst>
             </a:blip>
@@ -12853,7 +13010,7 @@
                   <a14:useLocalDpi xmlns:a14="http://schemas.microsoft.com/office/drawing/2010/main" val="0"/>
                 </a:ext>
                 <a:ext uri="{96DAC541-7B7A-43D3-8B79-37D633B846F1}">
-                  <asvg:svgBlip xmlns="" xmlns:asvg="http://schemas.microsoft.com/office/drawing/2016/SVG/main" r:embed="rId8"/>
+                  <asvg:svgBlip xmlns:asvg="http://schemas.microsoft.com/office/drawing/2016/SVG/main" xmlns="" r:embed="rId8"/>
                 </a:ext>
               </a:extLst>
             </a:blip>
@@ -12970,7 +13127,7 @@
                   <a14:useLocalDpi xmlns:a14="http://schemas.microsoft.com/office/drawing/2010/main" val="0"/>
                 </a:ext>
                 <a:ext uri="{96DAC541-7B7A-43D3-8B79-37D633B846F1}">
-                  <asvg:svgBlip xmlns="" xmlns:asvg="http://schemas.microsoft.com/office/drawing/2016/SVG/main" r:embed="rId4"/>
+                  <asvg:svgBlip xmlns:asvg="http://schemas.microsoft.com/office/drawing/2016/SVG/main" xmlns="" r:embed="rId4"/>
                 </a:ext>
               </a:extLst>
             </a:blip>
@@ -13274,7 +13431,7 @@
                   <a14:useLocalDpi xmlns:a14="http://schemas.microsoft.com/office/drawing/2010/main" val="0"/>
                 </a:ext>
                 <a:ext uri="{96DAC541-7B7A-43D3-8B79-37D633B846F1}">
-                  <asvg:svgBlip xmlns="" xmlns:asvg="http://schemas.microsoft.com/office/drawing/2016/SVG/main" r:embed="rId4"/>
+                  <asvg:svgBlip xmlns:asvg="http://schemas.microsoft.com/office/drawing/2016/SVG/main" xmlns="" r:embed="rId4"/>
                 </a:ext>
               </a:extLst>
             </a:blip>
@@ -13309,7 +13466,7 @@
                   <a14:useLocalDpi xmlns:a14="http://schemas.microsoft.com/office/drawing/2010/main" val="0"/>
                 </a:ext>
                 <a:ext uri="{96DAC541-7B7A-43D3-8B79-37D633B846F1}">
-                  <asvg:svgBlip xmlns="" xmlns:asvg="http://schemas.microsoft.com/office/drawing/2016/SVG/main" r:embed="rId4"/>
+                  <asvg:svgBlip xmlns:asvg="http://schemas.microsoft.com/office/drawing/2016/SVG/main" xmlns="" r:embed="rId4"/>
                 </a:ext>
               </a:extLst>
             </a:blip>
@@ -13344,7 +13501,7 @@
                   <a14:useLocalDpi xmlns:a14="http://schemas.microsoft.com/office/drawing/2010/main" val="0"/>
                 </a:ext>
                 <a:ext uri="{96DAC541-7B7A-43D3-8B79-37D633B846F1}">
-                  <asvg:svgBlip xmlns="" xmlns:asvg="http://schemas.microsoft.com/office/drawing/2016/SVG/main" r:embed="rId4"/>
+                  <asvg:svgBlip xmlns:asvg="http://schemas.microsoft.com/office/drawing/2016/SVG/main" xmlns="" r:embed="rId4"/>
                 </a:ext>
               </a:extLst>
             </a:blip>
@@ -13379,7 +13536,7 @@
                   <a14:useLocalDpi xmlns:a14="http://schemas.microsoft.com/office/drawing/2010/main" val="0"/>
                 </a:ext>
                 <a:ext uri="{96DAC541-7B7A-43D3-8B79-37D633B846F1}">
-                  <asvg:svgBlip xmlns="" xmlns:asvg="http://schemas.microsoft.com/office/drawing/2016/SVG/main" r:embed="rId4"/>
+                  <asvg:svgBlip xmlns:asvg="http://schemas.microsoft.com/office/drawing/2016/SVG/main" xmlns="" r:embed="rId4"/>
                 </a:ext>
               </a:extLst>
             </a:blip>
@@ -13414,7 +13571,7 @@
                   <a14:useLocalDpi xmlns:a14="http://schemas.microsoft.com/office/drawing/2010/main" val="0"/>
                 </a:ext>
                 <a:ext uri="{96DAC541-7B7A-43D3-8B79-37D633B846F1}">
-                  <asvg:svgBlip xmlns="" xmlns:asvg="http://schemas.microsoft.com/office/drawing/2016/SVG/main" r:embed="rId4"/>
+                  <asvg:svgBlip xmlns:asvg="http://schemas.microsoft.com/office/drawing/2016/SVG/main" xmlns="" r:embed="rId4"/>
                 </a:ext>
               </a:extLst>
             </a:blip>
@@ -13449,7 +13606,7 @@
                   <a14:useLocalDpi xmlns:a14="http://schemas.microsoft.com/office/drawing/2010/main" val="0"/>
                 </a:ext>
                 <a:ext uri="{96DAC541-7B7A-43D3-8B79-37D633B846F1}">
-                  <asvg:svgBlip xmlns="" xmlns:asvg="http://schemas.microsoft.com/office/drawing/2016/SVG/main" r:embed="rId4"/>
+                  <asvg:svgBlip xmlns:asvg="http://schemas.microsoft.com/office/drawing/2016/SVG/main" xmlns="" r:embed="rId4"/>
                 </a:ext>
               </a:extLst>
             </a:blip>
@@ -13484,7 +13641,7 @@
                   <a14:useLocalDpi xmlns:a14="http://schemas.microsoft.com/office/drawing/2010/main" val="0"/>
                 </a:ext>
                 <a:ext uri="{96DAC541-7B7A-43D3-8B79-37D633B846F1}">
-                  <asvg:svgBlip xmlns="" xmlns:asvg="http://schemas.microsoft.com/office/drawing/2016/SVG/main" r:embed="rId4"/>
+                  <asvg:svgBlip xmlns:asvg="http://schemas.microsoft.com/office/drawing/2016/SVG/main" xmlns="" r:embed="rId4"/>
                 </a:ext>
               </a:extLst>
             </a:blip>
@@ -13519,7 +13676,7 @@
                   <a14:useLocalDpi xmlns:a14="http://schemas.microsoft.com/office/drawing/2010/main" val="0"/>
                 </a:ext>
                 <a:ext uri="{96DAC541-7B7A-43D3-8B79-37D633B846F1}">
-                  <asvg:svgBlip xmlns="" xmlns:asvg="http://schemas.microsoft.com/office/drawing/2016/SVG/main" r:embed="rId4"/>
+                  <asvg:svgBlip xmlns:asvg="http://schemas.microsoft.com/office/drawing/2016/SVG/main" xmlns="" r:embed="rId4"/>
                 </a:ext>
               </a:extLst>
             </a:blip>
@@ -13554,7 +13711,7 @@
                   <a14:useLocalDpi xmlns:a14="http://schemas.microsoft.com/office/drawing/2010/main" val="0"/>
                 </a:ext>
                 <a:ext uri="{96DAC541-7B7A-43D3-8B79-37D633B846F1}">
-                  <asvg:svgBlip xmlns="" xmlns:asvg="http://schemas.microsoft.com/office/drawing/2016/SVG/main" r:embed="rId4"/>
+                  <asvg:svgBlip xmlns:asvg="http://schemas.microsoft.com/office/drawing/2016/SVG/main" xmlns="" r:embed="rId4"/>
                 </a:ext>
               </a:extLst>
             </a:blip>
@@ -13589,7 +13746,7 @@
                   <a14:useLocalDpi xmlns:a14="http://schemas.microsoft.com/office/drawing/2010/main" val="0"/>
                 </a:ext>
                 <a:ext uri="{96DAC541-7B7A-43D3-8B79-37D633B846F1}">
-                  <asvg:svgBlip xmlns="" xmlns:asvg="http://schemas.microsoft.com/office/drawing/2016/SVG/main" r:embed="rId4"/>
+                  <asvg:svgBlip xmlns:asvg="http://schemas.microsoft.com/office/drawing/2016/SVG/main" xmlns="" r:embed="rId4"/>
                 </a:ext>
               </a:extLst>
             </a:blip>
@@ -13624,7 +13781,7 @@
                   <a14:useLocalDpi xmlns:a14="http://schemas.microsoft.com/office/drawing/2010/main" val="0"/>
                 </a:ext>
                 <a:ext uri="{96DAC541-7B7A-43D3-8B79-37D633B846F1}">
-                  <asvg:svgBlip xmlns="" xmlns:asvg="http://schemas.microsoft.com/office/drawing/2016/SVG/main" r:embed="rId4"/>
+                  <asvg:svgBlip xmlns:asvg="http://schemas.microsoft.com/office/drawing/2016/SVG/main" xmlns="" r:embed="rId4"/>
                 </a:ext>
               </a:extLst>
             </a:blip>
@@ -13659,7 +13816,7 @@
                   <a14:useLocalDpi xmlns:a14="http://schemas.microsoft.com/office/drawing/2010/main" val="0"/>
                 </a:ext>
                 <a:ext uri="{96DAC541-7B7A-43D3-8B79-37D633B846F1}">
-                  <asvg:svgBlip xmlns="" xmlns:asvg="http://schemas.microsoft.com/office/drawing/2016/SVG/main" r:embed="rId4"/>
+                  <asvg:svgBlip xmlns:asvg="http://schemas.microsoft.com/office/drawing/2016/SVG/main" xmlns="" r:embed="rId4"/>
                 </a:ext>
               </a:extLst>
             </a:blip>
@@ -14596,7 +14753,7 @@
                   <a14:useLocalDpi xmlns:a14="http://schemas.microsoft.com/office/drawing/2010/main" val="0"/>
                 </a:ext>
                 <a:ext uri="{96DAC541-7B7A-43D3-8B79-37D633B846F1}">
-                  <asvg:svgBlip xmlns="" xmlns:asvg="http://schemas.microsoft.com/office/drawing/2016/SVG/main" r:embed="rId4"/>
+                  <asvg:svgBlip xmlns:asvg="http://schemas.microsoft.com/office/drawing/2016/SVG/main" xmlns="" r:embed="rId4"/>
                 </a:ext>
               </a:extLst>
             </a:blip>
@@ -14631,7 +14788,7 @@
                   <a14:useLocalDpi xmlns:a14="http://schemas.microsoft.com/office/drawing/2010/main" val="0"/>
                 </a:ext>
                 <a:ext uri="{96DAC541-7B7A-43D3-8B79-37D633B846F1}">
-                  <asvg:svgBlip xmlns="" xmlns:asvg="http://schemas.microsoft.com/office/drawing/2016/SVG/main" r:embed="rId4"/>
+                  <asvg:svgBlip xmlns:asvg="http://schemas.microsoft.com/office/drawing/2016/SVG/main" xmlns="" r:embed="rId4"/>
                 </a:ext>
               </a:extLst>
             </a:blip>
@@ -14666,7 +14823,7 @@
                   <a14:useLocalDpi xmlns:a14="http://schemas.microsoft.com/office/drawing/2010/main" val="0"/>
                 </a:ext>
                 <a:ext uri="{96DAC541-7B7A-43D3-8B79-37D633B846F1}">
-                  <asvg:svgBlip xmlns="" xmlns:asvg="http://schemas.microsoft.com/office/drawing/2016/SVG/main" r:embed="rId4"/>
+                  <asvg:svgBlip xmlns:asvg="http://schemas.microsoft.com/office/drawing/2016/SVG/main" xmlns="" r:embed="rId4"/>
                 </a:ext>
               </a:extLst>
             </a:blip>
@@ -14701,7 +14858,7 @@
                   <a14:useLocalDpi xmlns:a14="http://schemas.microsoft.com/office/drawing/2010/main" val="0"/>
                 </a:ext>
                 <a:ext uri="{96DAC541-7B7A-43D3-8B79-37D633B846F1}">
-                  <asvg:svgBlip xmlns="" xmlns:asvg="http://schemas.microsoft.com/office/drawing/2016/SVG/main" r:embed="rId4"/>
+                  <asvg:svgBlip xmlns:asvg="http://schemas.microsoft.com/office/drawing/2016/SVG/main" xmlns="" r:embed="rId4"/>
                 </a:ext>
               </a:extLst>
             </a:blip>
@@ -14736,7 +14893,7 @@
                   <a14:useLocalDpi xmlns:a14="http://schemas.microsoft.com/office/drawing/2010/main" val="0"/>
                 </a:ext>
                 <a:ext uri="{96DAC541-7B7A-43D3-8B79-37D633B846F1}">
-                  <asvg:svgBlip xmlns="" xmlns:asvg="http://schemas.microsoft.com/office/drawing/2016/SVG/main" r:embed="rId4"/>
+                  <asvg:svgBlip xmlns:asvg="http://schemas.microsoft.com/office/drawing/2016/SVG/main" xmlns="" r:embed="rId4"/>
                 </a:ext>
               </a:extLst>
             </a:blip>
@@ -14771,7 +14928,7 @@
                   <a14:useLocalDpi xmlns:a14="http://schemas.microsoft.com/office/drawing/2010/main" val="0"/>
                 </a:ext>
                 <a:ext uri="{96DAC541-7B7A-43D3-8B79-37D633B846F1}">
-                  <asvg:svgBlip xmlns="" xmlns:asvg="http://schemas.microsoft.com/office/drawing/2016/SVG/main" r:embed="rId4"/>
+                  <asvg:svgBlip xmlns:asvg="http://schemas.microsoft.com/office/drawing/2016/SVG/main" xmlns="" r:embed="rId4"/>
                 </a:ext>
               </a:extLst>
             </a:blip>
@@ -14806,7 +14963,7 @@
                   <a14:useLocalDpi xmlns:a14="http://schemas.microsoft.com/office/drawing/2010/main" val="0"/>
                 </a:ext>
                 <a:ext uri="{96DAC541-7B7A-43D3-8B79-37D633B846F1}">
-                  <asvg:svgBlip xmlns="" xmlns:asvg="http://schemas.microsoft.com/office/drawing/2016/SVG/main" r:embed="rId4"/>
+                  <asvg:svgBlip xmlns:asvg="http://schemas.microsoft.com/office/drawing/2016/SVG/main" xmlns="" r:embed="rId4"/>
                 </a:ext>
               </a:extLst>
             </a:blip>
@@ -14841,7 +14998,7 @@
                   <a14:useLocalDpi xmlns:a14="http://schemas.microsoft.com/office/drawing/2010/main" val="0"/>
                 </a:ext>
                 <a:ext uri="{96DAC541-7B7A-43D3-8B79-37D633B846F1}">
-                  <asvg:svgBlip xmlns="" xmlns:asvg="http://schemas.microsoft.com/office/drawing/2016/SVG/main" r:embed="rId4"/>
+                  <asvg:svgBlip xmlns:asvg="http://schemas.microsoft.com/office/drawing/2016/SVG/main" xmlns="" r:embed="rId4"/>
                 </a:ext>
               </a:extLst>
             </a:blip>
@@ -14876,7 +15033,7 @@
                   <a14:useLocalDpi xmlns:a14="http://schemas.microsoft.com/office/drawing/2010/main" val="0"/>
                 </a:ext>
                 <a:ext uri="{96DAC541-7B7A-43D3-8B79-37D633B846F1}">
-                  <asvg:svgBlip xmlns="" xmlns:asvg="http://schemas.microsoft.com/office/drawing/2016/SVG/main" r:embed="rId4"/>
+                  <asvg:svgBlip xmlns:asvg="http://schemas.microsoft.com/office/drawing/2016/SVG/main" xmlns="" r:embed="rId4"/>
                 </a:ext>
               </a:extLst>
             </a:blip>
@@ -14911,7 +15068,7 @@
                   <a14:useLocalDpi xmlns:a14="http://schemas.microsoft.com/office/drawing/2010/main" val="0"/>
                 </a:ext>
                 <a:ext uri="{96DAC541-7B7A-43D3-8B79-37D633B846F1}">
-                  <asvg:svgBlip xmlns="" xmlns:asvg="http://schemas.microsoft.com/office/drawing/2016/SVG/main" r:embed="rId4"/>
+                  <asvg:svgBlip xmlns:asvg="http://schemas.microsoft.com/office/drawing/2016/SVG/main" xmlns="" r:embed="rId4"/>
                 </a:ext>
               </a:extLst>
             </a:blip>
@@ -15028,7 +15185,7 @@
                   <a14:useLocalDpi xmlns:a14="http://schemas.microsoft.com/office/drawing/2010/main" val="0"/>
                 </a:ext>
                 <a:ext uri="{96DAC541-7B7A-43D3-8B79-37D633B846F1}">
-                  <asvg:svgBlip xmlns="" xmlns:asvg="http://schemas.microsoft.com/office/drawing/2016/SVG/main" r:embed="rId6"/>
+                  <asvg:svgBlip xmlns:asvg="http://schemas.microsoft.com/office/drawing/2016/SVG/main" xmlns="" r:embed="rId6"/>
                 </a:ext>
               </a:extLst>
             </a:blip>
@@ -15145,7 +15302,7 @@
                   <a14:useLocalDpi xmlns:a14="http://schemas.microsoft.com/office/drawing/2010/main" val="0"/>
                 </a:ext>
                 <a:ext uri="{96DAC541-7B7A-43D3-8B79-37D633B846F1}">
-                  <asvg:svgBlip xmlns="" xmlns:asvg="http://schemas.microsoft.com/office/drawing/2016/SVG/main" r:embed="rId6"/>
+                  <asvg:svgBlip xmlns:asvg="http://schemas.microsoft.com/office/drawing/2016/SVG/main" xmlns="" r:embed="rId6"/>
                 </a:ext>
               </a:extLst>
             </a:blip>
@@ -15262,7 +15419,7 @@
                   <a14:useLocalDpi xmlns:a14="http://schemas.microsoft.com/office/drawing/2010/main" val="0"/>
                 </a:ext>
                 <a:ext uri="{96DAC541-7B7A-43D3-8B79-37D633B846F1}">
-                  <asvg:svgBlip xmlns="" xmlns:asvg="http://schemas.microsoft.com/office/drawing/2016/SVG/main" r:embed="rId6"/>
+                  <asvg:svgBlip xmlns:asvg="http://schemas.microsoft.com/office/drawing/2016/SVG/main" xmlns="" r:embed="rId6"/>
                 </a:ext>
               </a:extLst>
             </a:blip>
@@ -15379,7 +15536,7 @@
                   <a14:useLocalDpi xmlns:a14="http://schemas.microsoft.com/office/drawing/2010/main" val="0"/>
                 </a:ext>
                 <a:ext uri="{96DAC541-7B7A-43D3-8B79-37D633B846F1}">
-                  <asvg:svgBlip xmlns="" xmlns:asvg="http://schemas.microsoft.com/office/drawing/2016/SVG/main" r:embed="rId6"/>
+                  <asvg:svgBlip xmlns:asvg="http://schemas.microsoft.com/office/drawing/2016/SVG/main" xmlns="" r:embed="rId6"/>
                 </a:ext>
               </a:extLst>
             </a:blip>
@@ -15496,7 +15653,7 @@
                   <a14:useLocalDpi xmlns:a14="http://schemas.microsoft.com/office/drawing/2010/main" val="0"/>
                 </a:ext>
                 <a:ext uri="{96DAC541-7B7A-43D3-8B79-37D633B846F1}">
-                  <asvg:svgBlip xmlns="" xmlns:asvg="http://schemas.microsoft.com/office/drawing/2016/SVG/main" r:embed="rId6"/>
+                  <asvg:svgBlip xmlns:asvg="http://schemas.microsoft.com/office/drawing/2016/SVG/main" xmlns="" r:embed="rId6"/>
                 </a:ext>
               </a:extLst>
             </a:blip>
@@ -16068,7 +16225,7 @@
                 <a14:useLocalDpi xmlns:a14="http://schemas.microsoft.com/office/drawing/2010/main" val="0"/>
               </a:ext>
               <a:ext uri="{96DAC541-7B7A-43D3-8B79-37D633B846F1}">
-                <asvg:svgBlip xmlns="" xmlns:asvg="http://schemas.microsoft.com/office/drawing/2016/SVG/main" r:embed="rId4"/>
+                <asvg:svgBlip xmlns:asvg="http://schemas.microsoft.com/office/drawing/2016/SVG/main" xmlns="" r:embed="rId4"/>
               </a:ext>
             </a:extLst>
           </a:blip>
@@ -16155,7 +16312,7 @@
                   <a14:useLocalDpi xmlns:a14="http://schemas.microsoft.com/office/drawing/2010/main" val="0"/>
                 </a:ext>
                 <a:ext uri="{96DAC541-7B7A-43D3-8B79-37D633B846F1}">
-                  <asvg:svgBlip xmlns="" xmlns:asvg="http://schemas.microsoft.com/office/drawing/2016/SVG/main" r:embed="rId6"/>
+                  <asvg:svgBlip xmlns:asvg="http://schemas.microsoft.com/office/drawing/2016/SVG/main" xmlns="" r:embed="rId6"/>
                 </a:ext>
               </a:extLst>
             </a:blip>
@@ -16190,7 +16347,7 @@
                   <a14:useLocalDpi xmlns:a14="http://schemas.microsoft.com/office/drawing/2010/main" val="0"/>
                 </a:ext>
                 <a:ext uri="{96DAC541-7B7A-43D3-8B79-37D633B846F1}">
-                  <asvg:svgBlip xmlns="" xmlns:asvg="http://schemas.microsoft.com/office/drawing/2016/SVG/main" r:embed="rId6"/>
+                  <asvg:svgBlip xmlns:asvg="http://schemas.microsoft.com/office/drawing/2016/SVG/main" xmlns="" r:embed="rId6"/>
                 </a:ext>
               </a:extLst>
             </a:blip>
@@ -16225,7 +16382,7 @@
                   <a14:useLocalDpi xmlns:a14="http://schemas.microsoft.com/office/drawing/2010/main" val="0"/>
                 </a:ext>
                 <a:ext uri="{96DAC541-7B7A-43D3-8B79-37D633B846F1}">
-                  <asvg:svgBlip xmlns="" xmlns:asvg="http://schemas.microsoft.com/office/drawing/2016/SVG/main" r:embed="rId6"/>
+                  <asvg:svgBlip xmlns:asvg="http://schemas.microsoft.com/office/drawing/2016/SVG/main" xmlns="" r:embed="rId6"/>
                 </a:ext>
               </a:extLst>
             </a:blip>
@@ -16260,7 +16417,7 @@
                   <a14:useLocalDpi xmlns:a14="http://schemas.microsoft.com/office/drawing/2010/main" val="0"/>
                 </a:ext>
                 <a:ext uri="{96DAC541-7B7A-43D3-8B79-37D633B846F1}">
-                  <asvg:svgBlip xmlns="" xmlns:asvg="http://schemas.microsoft.com/office/drawing/2016/SVG/main" r:embed="rId6"/>
+                  <asvg:svgBlip xmlns:asvg="http://schemas.microsoft.com/office/drawing/2016/SVG/main" xmlns="" r:embed="rId6"/>
                 </a:ext>
               </a:extLst>
             </a:blip>
@@ -16295,7 +16452,7 @@
                   <a14:useLocalDpi xmlns:a14="http://schemas.microsoft.com/office/drawing/2010/main" val="0"/>
                 </a:ext>
                 <a:ext uri="{96DAC541-7B7A-43D3-8B79-37D633B846F1}">
-                  <asvg:svgBlip xmlns="" xmlns:asvg="http://schemas.microsoft.com/office/drawing/2016/SVG/main" r:embed="rId6"/>
+                  <asvg:svgBlip xmlns:asvg="http://schemas.microsoft.com/office/drawing/2016/SVG/main" xmlns="" r:embed="rId6"/>
                 </a:ext>
               </a:extLst>
             </a:blip>
@@ -16330,7 +16487,7 @@
                   <a14:useLocalDpi xmlns:a14="http://schemas.microsoft.com/office/drawing/2010/main" val="0"/>
                 </a:ext>
                 <a:ext uri="{96DAC541-7B7A-43D3-8B79-37D633B846F1}">
-                  <asvg:svgBlip xmlns="" xmlns:asvg="http://schemas.microsoft.com/office/drawing/2016/SVG/main" r:embed="rId6"/>
+                  <asvg:svgBlip xmlns:asvg="http://schemas.microsoft.com/office/drawing/2016/SVG/main" xmlns="" r:embed="rId6"/>
                 </a:ext>
               </a:extLst>
             </a:blip>
@@ -16365,7 +16522,7 @@
                   <a14:useLocalDpi xmlns:a14="http://schemas.microsoft.com/office/drawing/2010/main" val="0"/>
                 </a:ext>
                 <a:ext uri="{96DAC541-7B7A-43D3-8B79-37D633B846F1}">
-                  <asvg:svgBlip xmlns="" xmlns:asvg="http://schemas.microsoft.com/office/drawing/2016/SVG/main" r:embed="rId6"/>
+                  <asvg:svgBlip xmlns:asvg="http://schemas.microsoft.com/office/drawing/2016/SVG/main" xmlns="" r:embed="rId6"/>
                 </a:ext>
               </a:extLst>
             </a:blip>
@@ -16400,7 +16557,7 @@
                 <a14:useLocalDpi xmlns:a14="http://schemas.microsoft.com/office/drawing/2010/main" val="0"/>
               </a:ext>
               <a:ext uri="{96DAC541-7B7A-43D3-8B79-37D633B846F1}">
-                <asvg:svgBlip xmlns="" xmlns:asvg="http://schemas.microsoft.com/office/drawing/2016/SVG/main" r:embed="rId4"/>
+                <asvg:svgBlip xmlns:asvg="http://schemas.microsoft.com/office/drawing/2016/SVG/main" xmlns="" r:embed="rId4"/>
               </a:ext>
             </a:extLst>
           </a:blip>
@@ -16434,7 +16591,7 @@
                 <a14:useLocalDpi xmlns:a14="http://schemas.microsoft.com/office/drawing/2010/main" val="0"/>
               </a:ext>
               <a:ext uri="{96DAC541-7B7A-43D3-8B79-37D633B846F1}">
-                <asvg:svgBlip xmlns="" xmlns:asvg="http://schemas.microsoft.com/office/drawing/2016/SVG/main" r:embed="rId4"/>
+                <asvg:svgBlip xmlns:asvg="http://schemas.microsoft.com/office/drawing/2016/SVG/main" xmlns="" r:embed="rId4"/>
               </a:ext>
             </a:extLst>
           </a:blip>
@@ -16855,7 +17012,7 @@
                   <a14:useLocalDpi xmlns:a14="http://schemas.microsoft.com/office/drawing/2010/main" val="0"/>
                 </a:ext>
                 <a:ext uri="{96DAC541-7B7A-43D3-8B79-37D633B846F1}">
-                  <asvg:svgBlip xmlns="" xmlns:asvg="http://schemas.microsoft.com/office/drawing/2016/SVG/main" r:embed="rId4"/>
+                  <asvg:svgBlip xmlns:asvg="http://schemas.microsoft.com/office/drawing/2016/SVG/main" xmlns="" r:embed="rId4"/>
                 </a:ext>
               </a:extLst>
             </a:blip>
@@ -16890,7 +17047,7 @@
                   <a14:useLocalDpi xmlns:a14="http://schemas.microsoft.com/office/drawing/2010/main" val="0"/>
                 </a:ext>
                 <a:ext uri="{96DAC541-7B7A-43D3-8B79-37D633B846F1}">
-                  <asvg:svgBlip xmlns="" xmlns:asvg="http://schemas.microsoft.com/office/drawing/2016/SVG/main" r:embed="rId4"/>
+                  <asvg:svgBlip xmlns:asvg="http://schemas.microsoft.com/office/drawing/2016/SVG/main" xmlns="" r:embed="rId4"/>
                 </a:ext>
               </a:extLst>
             </a:blip>
@@ -16925,7 +17082,7 @@
                   <a14:useLocalDpi xmlns:a14="http://schemas.microsoft.com/office/drawing/2010/main" val="0"/>
                 </a:ext>
                 <a:ext uri="{96DAC541-7B7A-43D3-8B79-37D633B846F1}">
-                  <asvg:svgBlip xmlns="" xmlns:asvg="http://schemas.microsoft.com/office/drawing/2016/SVG/main" r:embed="rId4"/>
+                  <asvg:svgBlip xmlns:asvg="http://schemas.microsoft.com/office/drawing/2016/SVG/main" xmlns="" r:embed="rId4"/>
                 </a:ext>
               </a:extLst>
             </a:blip>
@@ -16960,7 +17117,7 @@
                   <a14:useLocalDpi xmlns:a14="http://schemas.microsoft.com/office/drawing/2010/main" val="0"/>
                 </a:ext>
                 <a:ext uri="{96DAC541-7B7A-43D3-8B79-37D633B846F1}">
-                  <asvg:svgBlip xmlns="" xmlns:asvg="http://schemas.microsoft.com/office/drawing/2016/SVG/main" r:embed="rId4"/>
+                  <asvg:svgBlip xmlns:asvg="http://schemas.microsoft.com/office/drawing/2016/SVG/main" xmlns="" r:embed="rId4"/>
                 </a:ext>
               </a:extLst>
             </a:blip>
@@ -16995,7 +17152,7 @@
                   <a14:useLocalDpi xmlns:a14="http://schemas.microsoft.com/office/drawing/2010/main" val="0"/>
                 </a:ext>
                 <a:ext uri="{96DAC541-7B7A-43D3-8B79-37D633B846F1}">
-                  <asvg:svgBlip xmlns="" xmlns:asvg="http://schemas.microsoft.com/office/drawing/2016/SVG/main" r:embed="rId4"/>
+                  <asvg:svgBlip xmlns:asvg="http://schemas.microsoft.com/office/drawing/2016/SVG/main" xmlns="" r:embed="rId4"/>
                 </a:ext>
               </a:extLst>
             </a:blip>
@@ -17030,7 +17187,7 @@
                   <a14:useLocalDpi xmlns:a14="http://schemas.microsoft.com/office/drawing/2010/main" val="0"/>
                 </a:ext>
                 <a:ext uri="{96DAC541-7B7A-43D3-8B79-37D633B846F1}">
-                  <asvg:svgBlip xmlns="" xmlns:asvg="http://schemas.microsoft.com/office/drawing/2016/SVG/main" r:embed="rId4"/>
+                  <asvg:svgBlip xmlns:asvg="http://schemas.microsoft.com/office/drawing/2016/SVG/main" xmlns="" r:embed="rId4"/>
                 </a:ext>
               </a:extLst>
             </a:blip>
@@ -17065,7 +17222,7 @@
                   <a14:useLocalDpi xmlns:a14="http://schemas.microsoft.com/office/drawing/2010/main" val="0"/>
                 </a:ext>
                 <a:ext uri="{96DAC541-7B7A-43D3-8B79-37D633B846F1}">
-                  <asvg:svgBlip xmlns="" xmlns:asvg="http://schemas.microsoft.com/office/drawing/2016/SVG/main" r:embed="rId4"/>
+                  <asvg:svgBlip xmlns:asvg="http://schemas.microsoft.com/office/drawing/2016/SVG/main" xmlns="" r:embed="rId4"/>
                 </a:ext>
               </a:extLst>
             </a:blip>
@@ -17182,7 +17339,7 @@
                   <a14:useLocalDpi xmlns:a14="http://schemas.microsoft.com/office/drawing/2010/main" val="0"/>
                 </a:ext>
                 <a:ext uri="{96DAC541-7B7A-43D3-8B79-37D633B846F1}">
-                  <asvg:svgBlip xmlns="" xmlns:asvg="http://schemas.microsoft.com/office/drawing/2016/SVG/main" r:embed="rId6"/>
+                  <asvg:svgBlip xmlns:asvg="http://schemas.microsoft.com/office/drawing/2016/SVG/main" xmlns="" r:embed="rId6"/>
                 </a:ext>
               </a:extLst>
             </a:blip>
@@ -17232,7 +17389,7 @@
                   <a14:useLocalDpi xmlns:a14="http://schemas.microsoft.com/office/drawing/2010/main" val="0"/>
                 </a:ext>
                 <a:ext uri="{96DAC541-7B7A-43D3-8B79-37D633B846F1}">
-                  <asvg:svgBlip xmlns="" xmlns:asvg="http://schemas.microsoft.com/office/drawing/2016/SVG/main" r:embed="rId4"/>
+                  <asvg:svgBlip xmlns:asvg="http://schemas.microsoft.com/office/drawing/2016/SVG/main" xmlns="" r:embed="rId4"/>
                 </a:ext>
               </a:extLst>
             </a:blip>
@@ -17267,7 +17424,7 @@
                   <a14:useLocalDpi xmlns:a14="http://schemas.microsoft.com/office/drawing/2010/main" val="0"/>
                 </a:ext>
                 <a:ext uri="{96DAC541-7B7A-43D3-8B79-37D633B846F1}">
-                  <asvg:svgBlip xmlns="" xmlns:asvg="http://schemas.microsoft.com/office/drawing/2016/SVG/main" r:embed="rId4"/>
+                  <asvg:svgBlip xmlns:asvg="http://schemas.microsoft.com/office/drawing/2016/SVG/main" xmlns="" r:embed="rId4"/>
                 </a:ext>
               </a:extLst>
             </a:blip>
@@ -17302,7 +17459,7 @@
                   <a14:useLocalDpi xmlns:a14="http://schemas.microsoft.com/office/drawing/2010/main" val="0"/>
                 </a:ext>
                 <a:ext uri="{96DAC541-7B7A-43D3-8B79-37D633B846F1}">
-                  <asvg:svgBlip xmlns="" xmlns:asvg="http://schemas.microsoft.com/office/drawing/2016/SVG/main" r:embed="rId4"/>
+                  <asvg:svgBlip xmlns:asvg="http://schemas.microsoft.com/office/drawing/2016/SVG/main" xmlns="" r:embed="rId4"/>
                 </a:ext>
               </a:extLst>
             </a:blip>
@@ -17337,7 +17494,7 @@
                   <a14:useLocalDpi xmlns:a14="http://schemas.microsoft.com/office/drawing/2010/main" val="0"/>
                 </a:ext>
                 <a:ext uri="{96DAC541-7B7A-43D3-8B79-37D633B846F1}">
-                  <asvg:svgBlip xmlns="" xmlns:asvg="http://schemas.microsoft.com/office/drawing/2016/SVG/main" r:embed="rId4"/>
+                  <asvg:svgBlip xmlns:asvg="http://schemas.microsoft.com/office/drawing/2016/SVG/main" xmlns="" r:embed="rId4"/>
                 </a:ext>
               </a:extLst>
             </a:blip>
@@ -17372,7 +17529,7 @@
                   <a14:useLocalDpi xmlns:a14="http://schemas.microsoft.com/office/drawing/2010/main" val="0"/>
                 </a:ext>
                 <a:ext uri="{96DAC541-7B7A-43D3-8B79-37D633B846F1}">
-                  <asvg:svgBlip xmlns="" xmlns:asvg="http://schemas.microsoft.com/office/drawing/2016/SVG/main" r:embed="rId4"/>
+                  <asvg:svgBlip xmlns:asvg="http://schemas.microsoft.com/office/drawing/2016/SVG/main" xmlns="" r:embed="rId4"/>
                 </a:ext>
               </a:extLst>
             </a:blip>
@@ -17407,7 +17564,7 @@
                   <a14:useLocalDpi xmlns:a14="http://schemas.microsoft.com/office/drawing/2010/main" val="0"/>
                 </a:ext>
                 <a:ext uri="{96DAC541-7B7A-43D3-8B79-37D633B846F1}">
-                  <asvg:svgBlip xmlns="" xmlns:asvg="http://schemas.microsoft.com/office/drawing/2016/SVG/main" r:embed="rId4"/>
+                  <asvg:svgBlip xmlns:asvg="http://schemas.microsoft.com/office/drawing/2016/SVG/main" xmlns="" r:embed="rId4"/>
                 </a:ext>
               </a:extLst>
             </a:blip>
@@ -17442,7 +17599,7 @@
                   <a14:useLocalDpi xmlns:a14="http://schemas.microsoft.com/office/drawing/2010/main" val="0"/>
                 </a:ext>
                 <a:ext uri="{96DAC541-7B7A-43D3-8B79-37D633B846F1}">
-                  <asvg:svgBlip xmlns="" xmlns:asvg="http://schemas.microsoft.com/office/drawing/2016/SVG/main" r:embed="rId4"/>
+                  <asvg:svgBlip xmlns:asvg="http://schemas.microsoft.com/office/drawing/2016/SVG/main" xmlns="" r:embed="rId4"/>
                 </a:ext>
               </a:extLst>
             </a:blip>
@@ -17578,7 +17735,7 @@
                   <a14:useLocalDpi xmlns:a14="http://schemas.microsoft.com/office/drawing/2010/main" val="0"/>
                 </a:ext>
                 <a:ext uri="{96DAC541-7B7A-43D3-8B79-37D633B846F1}">
-                  <asvg:svgBlip xmlns="" xmlns:asvg="http://schemas.microsoft.com/office/drawing/2016/SVG/main" r:embed="rId6"/>
+                  <asvg:svgBlip xmlns:asvg="http://schemas.microsoft.com/office/drawing/2016/SVG/main" xmlns="" r:embed="rId6"/>
                 </a:ext>
               </a:extLst>
             </a:blip>
@@ -17707,7 +17864,7 @@
                   <a14:useLocalDpi xmlns:a14="http://schemas.microsoft.com/office/drawing/2010/main" val="0"/>
                 </a:ext>
                 <a:ext uri="{96DAC541-7B7A-43D3-8B79-37D633B846F1}">
-                  <asvg:svgBlip xmlns="" xmlns:asvg="http://schemas.microsoft.com/office/drawing/2016/SVG/main" r:embed="rId4"/>
+                  <asvg:svgBlip xmlns:asvg="http://schemas.microsoft.com/office/drawing/2016/SVG/main" xmlns="" r:embed="rId4"/>
                 </a:ext>
               </a:extLst>
             </a:blip>
@@ -17742,7 +17899,7 @@
                   <a14:useLocalDpi xmlns:a14="http://schemas.microsoft.com/office/drawing/2010/main" val="0"/>
                 </a:ext>
                 <a:ext uri="{96DAC541-7B7A-43D3-8B79-37D633B846F1}">
-                  <asvg:svgBlip xmlns="" xmlns:asvg="http://schemas.microsoft.com/office/drawing/2016/SVG/main" r:embed="rId4"/>
+                  <asvg:svgBlip xmlns:asvg="http://schemas.microsoft.com/office/drawing/2016/SVG/main" xmlns="" r:embed="rId4"/>
                 </a:ext>
               </a:extLst>
             </a:blip>
@@ -17777,7 +17934,7 @@
                   <a14:useLocalDpi xmlns:a14="http://schemas.microsoft.com/office/drawing/2010/main" val="0"/>
                 </a:ext>
                 <a:ext uri="{96DAC541-7B7A-43D3-8B79-37D633B846F1}">
-                  <asvg:svgBlip xmlns="" xmlns:asvg="http://schemas.microsoft.com/office/drawing/2016/SVG/main" r:embed="rId4"/>
+                  <asvg:svgBlip xmlns:asvg="http://schemas.microsoft.com/office/drawing/2016/SVG/main" xmlns="" r:embed="rId4"/>
                 </a:ext>
               </a:extLst>
             </a:blip>
@@ -17812,7 +17969,7 @@
                   <a14:useLocalDpi xmlns:a14="http://schemas.microsoft.com/office/drawing/2010/main" val="0"/>
                 </a:ext>
                 <a:ext uri="{96DAC541-7B7A-43D3-8B79-37D633B846F1}">
-                  <asvg:svgBlip xmlns="" xmlns:asvg="http://schemas.microsoft.com/office/drawing/2016/SVG/main" r:embed="rId4"/>
+                  <asvg:svgBlip xmlns:asvg="http://schemas.microsoft.com/office/drawing/2016/SVG/main" xmlns="" r:embed="rId4"/>
                 </a:ext>
               </a:extLst>
             </a:blip>
@@ -17847,7 +18004,7 @@
                   <a14:useLocalDpi xmlns:a14="http://schemas.microsoft.com/office/drawing/2010/main" val="0"/>
                 </a:ext>
                 <a:ext uri="{96DAC541-7B7A-43D3-8B79-37D633B846F1}">
-                  <asvg:svgBlip xmlns="" xmlns:asvg="http://schemas.microsoft.com/office/drawing/2016/SVG/main" r:embed="rId4"/>
+                  <asvg:svgBlip xmlns:asvg="http://schemas.microsoft.com/office/drawing/2016/SVG/main" xmlns="" r:embed="rId4"/>
                 </a:ext>
               </a:extLst>
             </a:blip>
@@ -17882,7 +18039,7 @@
                   <a14:useLocalDpi xmlns:a14="http://schemas.microsoft.com/office/drawing/2010/main" val="0"/>
                 </a:ext>
                 <a:ext uri="{96DAC541-7B7A-43D3-8B79-37D633B846F1}">
-                  <asvg:svgBlip xmlns="" xmlns:asvg="http://schemas.microsoft.com/office/drawing/2016/SVG/main" r:embed="rId4"/>
+                  <asvg:svgBlip xmlns:asvg="http://schemas.microsoft.com/office/drawing/2016/SVG/main" xmlns="" r:embed="rId4"/>
                 </a:ext>
               </a:extLst>
             </a:blip>
@@ -17917,7 +18074,7 @@
                   <a14:useLocalDpi xmlns:a14="http://schemas.microsoft.com/office/drawing/2010/main" val="0"/>
                 </a:ext>
                 <a:ext uri="{96DAC541-7B7A-43D3-8B79-37D633B846F1}">
-                  <asvg:svgBlip xmlns="" xmlns:asvg="http://schemas.microsoft.com/office/drawing/2016/SVG/main" r:embed="rId4"/>
+                  <asvg:svgBlip xmlns:asvg="http://schemas.microsoft.com/office/drawing/2016/SVG/main" xmlns="" r:embed="rId4"/>
                 </a:ext>
               </a:extLst>
             </a:blip>
@@ -18034,7 +18191,7 @@
                   <a14:useLocalDpi xmlns:a14="http://schemas.microsoft.com/office/drawing/2010/main" val="0"/>
                 </a:ext>
                 <a:ext uri="{96DAC541-7B7A-43D3-8B79-37D633B846F1}">
-                  <asvg:svgBlip xmlns="" xmlns:asvg="http://schemas.microsoft.com/office/drawing/2016/SVG/main" r:embed="rId6"/>
+                  <asvg:svgBlip xmlns:asvg="http://schemas.microsoft.com/office/drawing/2016/SVG/main" xmlns="" r:embed="rId6"/>
                 </a:ext>
               </a:extLst>
             </a:blip>
@@ -18084,7 +18241,7 @@
                   <a14:useLocalDpi xmlns:a14="http://schemas.microsoft.com/office/drawing/2010/main" val="0"/>
                 </a:ext>
                 <a:ext uri="{96DAC541-7B7A-43D3-8B79-37D633B846F1}">
-                  <asvg:svgBlip xmlns="" xmlns:asvg="http://schemas.microsoft.com/office/drawing/2016/SVG/main" r:embed="rId4"/>
+                  <asvg:svgBlip xmlns:asvg="http://schemas.microsoft.com/office/drawing/2016/SVG/main" xmlns="" r:embed="rId4"/>
                 </a:ext>
               </a:extLst>
             </a:blip>
@@ -18119,7 +18276,7 @@
                   <a14:useLocalDpi xmlns:a14="http://schemas.microsoft.com/office/drawing/2010/main" val="0"/>
                 </a:ext>
                 <a:ext uri="{96DAC541-7B7A-43D3-8B79-37D633B846F1}">
-                  <asvg:svgBlip xmlns="" xmlns:asvg="http://schemas.microsoft.com/office/drawing/2016/SVG/main" r:embed="rId4"/>
+                  <asvg:svgBlip xmlns:asvg="http://schemas.microsoft.com/office/drawing/2016/SVG/main" xmlns="" r:embed="rId4"/>
                 </a:ext>
               </a:extLst>
             </a:blip>
@@ -18154,7 +18311,7 @@
                   <a14:useLocalDpi xmlns:a14="http://schemas.microsoft.com/office/drawing/2010/main" val="0"/>
                 </a:ext>
                 <a:ext uri="{96DAC541-7B7A-43D3-8B79-37D633B846F1}">
-                  <asvg:svgBlip xmlns="" xmlns:asvg="http://schemas.microsoft.com/office/drawing/2016/SVG/main" r:embed="rId4"/>
+                  <asvg:svgBlip xmlns:asvg="http://schemas.microsoft.com/office/drawing/2016/SVG/main" xmlns="" r:embed="rId4"/>
                 </a:ext>
               </a:extLst>
             </a:blip>
@@ -18189,7 +18346,7 @@
                   <a14:useLocalDpi xmlns:a14="http://schemas.microsoft.com/office/drawing/2010/main" val="0"/>
                 </a:ext>
                 <a:ext uri="{96DAC541-7B7A-43D3-8B79-37D633B846F1}">
-                  <asvg:svgBlip xmlns="" xmlns:asvg="http://schemas.microsoft.com/office/drawing/2016/SVG/main" r:embed="rId4"/>
+                  <asvg:svgBlip xmlns:asvg="http://schemas.microsoft.com/office/drawing/2016/SVG/main" xmlns="" r:embed="rId4"/>
                 </a:ext>
               </a:extLst>
             </a:blip>
@@ -18224,7 +18381,7 @@
                   <a14:useLocalDpi xmlns:a14="http://schemas.microsoft.com/office/drawing/2010/main" val="0"/>
                 </a:ext>
                 <a:ext uri="{96DAC541-7B7A-43D3-8B79-37D633B846F1}">
-                  <asvg:svgBlip xmlns="" xmlns:asvg="http://schemas.microsoft.com/office/drawing/2016/SVG/main" r:embed="rId4"/>
+                  <asvg:svgBlip xmlns:asvg="http://schemas.microsoft.com/office/drawing/2016/SVG/main" xmlns="" r:embed="rId4"/>
                 </a:ext>
               </a:extLst>
             </a:blip>
@@ -18259,7 +18416,7 @@
                   <a14:useLocalDpi xmlns:a14="http://schemas.microsoft.com/office/drawing/2010/main" val="0"/>
                 </a:ext>
                 <a:ext uri="{96DAC541-7B7A-43D3-8B79-37D633B846F1}">
-                  <asvg:svgBlip xmlns="" xmlns:asvg="http://schemas.microsoft.com/office/drawing/2016/SVG/main" r:embed="rId4"/>
+                  <asvg:svgBlip xmlns:asvg="http://schemas.microsoft.com/office/drawing/2016/SVG/main" xmlns="" r:embed="rId4"/>
                 </a:ext>
               </a:extLst>
             </a:blip>
@@ -18294,7 +18451,7 @@
                   <a14:useLocalDpi xmlns:a14="http://schemas.microsoft.com/office/drawing/2010/main" val="0"/>
                 </a:ext>
                 <a:ext uri="{96DAC541-7B7A-43D3-8B79-37D633B846F1}">
-                  <asvg:svgBlip xmlns="" xmlns:asvg="http://schemas.microsoft.com/office/drawing/2016/SVG/main" r:embed="rId4"/>
+                  <asvg:svgBlip xmlns:asvg="http://schemas.microsoft.com/office/drawing/2016/SVG/main" xmlns="" r:embed="rId4"/>
                 </a:ext>
               </a:extLst>
             </a:blip>
@@ -18430,7 +18587,7 @@
                   <a14:useLocalDpi xmlns:a14="http://schemas.microsoft.com/office/drawing/2010/main" val="0"/>
                 </a:ext>
                 <a:ext uri="{96DAC541-7B7A-43D3-8B79-37D633B846F1}">
-                  <asvg:svgBlip xmlns="" xmlns:asvg="http://schemas.microsoft.com/office/drawing/2016/SVG/main" r:embed="rId6"/>
+                  <asvg:svgBlip xmlns:asvg="http://schemas.microsoft.com/office/drawing/2016/SVG/main" xmlns="" r:embed="rId6"/>
                 </a:ext>
               </a:extLst>
             </a:blip>
@@ -18459,7 +18616,7 @@
           <p:nvPr>
             <p:extLst>
               <p:ext uri="{D42A27DB-BD31-4B8C-83A1-F6EECF244321}">
-                <p14:modId xmlns:p14="http://schemas.microsoft.com/office/powerpoint/2010/main" val="3362939862"/>
+                <p14:modId xmlns:p14="http://schemas.microsoft.com/office/powerpoint/2010/main" val="1040816392"/>
               </p:ext>
             </p:extLst>
           </p:nvPr>
